--- a/CSC216 Comparison.pptx
+++ b/CSC216 Comparison.pptx
@@ -7,11 +7,11 @@
   <p:sldIdLst>
     <p:sldId id="256" r:id="rId2"/>
     <p:sldId id="257" r:id="rId3"/>
-    <p:sldId id="258" r:id="rId4"/>
-    <p:sldId id="259" r:id="rId5"/>
-    <p:sldId id="260" r:id="rId6"/>
-    <p:sldId id="262" r:id="rId7"/>
-    <p:sldId id="263" r:id="rId8"/>
+    <p:sldId id="259" r:id="rId4"/>
+    <p:sldId id="260" r:id="rId5"/>
+    <p:sldId id="262" r:id="rId6"/>
+    <p:sldId id="263" r:id="rId7"/>
+    <p:sldId id="264" r:id="rId8"/>
   </p:sldIdLst>
   <p:sldSz cx="12192000" cy="6858000"/>
   <p:notesSz cx="6858000" cy="9144000"/>
@@ -5866,216 +5866,6 @@
           <a:p>
             <a:r>
               <a:rPr lang="en-US" dirty="0" smtClean="0"/>
-              <a:t>Metrics</a:t>
-            </a:r>
-            <a:endParaRPr lang="en-US" dirty="0"/>
-          </a:p>
-        </p:txBody>
-      </p:sp>
-      <p:sp>
-        <p:nvSpPr>
-          <p:cNvPr id="3" name="Content Placeholder 2"/>
-          <p:cNvSpPr>
-            <a:spLocks noGrp="1"/>
-          </p:cNvSpPr>
-          <p:nvPr>
-            <p:ph idx="1"/>
-          </p:nvPr>
-        </p:nvSpPr>
-        <p:spPr/>
-        <p:txBody>
-          <a:bodyPr/>
-          <a:lstStyle/>
-          <a:p>
-            <a:pPr marL="0" indent="0">
-              <a:buNone/>
-            </a:pPr>
-            <a:r>
-              <a:rPr lang="en-US" sz="2400" dirty="0" smtClean="0"/>
-              <a:t>Data collection</a:t>
-            </a:r>
-          </a:p>
-          <a:p>
-            <a:r>
-              <a:rPr lang="en-US" dirty="0" smtClean="0"/>
-              <a:t>Grade Data</a:t>
-            </a:r>
-          </a:p>
-          <a:p>
-            <a:r>
-              <a:rPr lang="en-US" dirty="0" smtClean="0"/>
-              <a:t>Pre &amp; Post Survey</a:t>
-            </a:r>
-          </a:p>
-          <a:p>
-            <a:r>
-              <a:rPr lang="en-US" dirty="0" smtClean="0"/>
-              <a:t>Office Hours and Message Board data</a:t>
-            </a:r>
-          </a:p>
-          <a:p>
-            <a:pPr marL="0" indent="0">
-              <a:buNone/>
-            </a:pPr>
-            <a:endParaRPr lang="en-US" dirty="0"/>
-          </a:p>
-        </p:txBody>
-      </p:sp>
-      <p:pic>
-        <p:nvPicPr>
-          <p:cNvPr id="4" name="Picture 3"/>
-          <p:cNvPicPr>
-            <a:picLocks noChangeAspect="1"/>
-          </p:cNvPicPr>
-          <p:nvPr/>
-        </p:nvPicPr>
-        <p:blipFill>
-          <a:blip r:embed="rId2">
-            <a:extLst>
-              <a:ext uri="{28A0092B-C50C-407E-A947-70E740481C1C}">
-                <a14:useLocalDpi xmlns:a14="http://schemas.microsoft.com/office/drawing/2010/main" val="0"/>
-              </a:ext>
-            </a:extLst>
-          </a:blip>
-          <a:stretch>
-            <a:fillRect/>
-          </a:stretch>
-        </p:blipFill>
-        <p:spPr>
-          <a:xfrm>
-            <a:off x="7253292" y="2391214"/>
-            <a:ext cx="3524742" cy="3467584"/>
-          </a:xfrm>
-          <a:prstGeom prst="rect">
-            <a:avLst/>
-          </a:prstGeom>
-        </p:spPr>
-      </p:pic>
-    </p:spTree>
-    <p:extLst>
-      <p:ext uri="{BB962C8B-B14F-4D97-AF65-F5344CB8AC3E}">
-        <p14:creationId xmlns:p14="http://schemas.microsoft.com/office/powerpoint/2010/main" val="3663422256"/>
-      </p:ext>
-    </p:extLst>
-  </p:cSld>
-  <p:clrMapOvr>
-    <a:masterClrMapping/>
-  </p:clrMapOvr>
-  <p:timing>
-    <p:tnLst>
-      <p:par>
-        <p:cTn id="1" dur="indefinite" restart="never" nodeType="tmRoot">
-          <p:childTnLst>
-            <p:seq concurrent="1" nextAc="seek">
-              <p:cTn id="2" dur="indefinite" nodeType="mainSeq">
-                <p:childTnLst>
-                  <p:par>
-                    <p:cTn id="3" fill="hold">
-                      <p:stCondLst>
-                        <p:cond delay="indefinite"/>
-                      </p:stCondLst>
-                      <p:childTnLst>
-                        <p:par>
-                          <p:cTn id="4" fill="hold">
-                            <p:stCondLst>
-                              <p:cond delay="0"/>
-                            </p:stCondLst>
-                            <p:childTnLst>
-                              <p:par>
-                                <p:cTn id="5" presetID="15" presetClass="emph" presetSubtype="0" nodeType="clickEffect">
-                                  <p:stCondLst>
-                                    <p:cond delay="0"/>
-                                  </p:stCondLst>
-                                  <p:iterate type="lt">
-                                    <p:tmAbs val="50"/>
-                                  </p:iterate>
-                                  <p:childTnLst>
-                                    <p:set>
-                                      <p:cBhvr override="childStyle">
-                                        <p:cTn id="6" dur="indefinite"/>
-                                        <p:tgtEl>
-                                          <p:spTgt spid="3">
-                                            <p:txEl>
-                                              <p:pRg st="1" end="1"/>
-                                            </p:txEl>
-                                          </p:spTgt>
-                                        </p:tgtEl>
-                                        <p:attrNameLst>
-                                          <p:attrName>style.fontWeight</p:attrName>
-                                        </p:attrNameLst>
-                                      </p:cBhvr>
-                                      <p:to>
-                                        <p:strVal val="bold"/>
-                                      </p:to>
-                                    </p:set>
-                                  </p:childTnLst>
-                                </p:cTn>
-                              </p:par>
-                            </p:childTnLst>
-                          </p:cTn>
-                        </p:par>
-                      </p:childTnLst>
-                    </p:cTn>
-                  </p:par>
-                </p:childTnLst>
-              </p:cTn>
-              <p:prevCondLst>
-                <p:cond evt="onPrev" delay="0">
-                  <p:tgtEl>
-                    <p:sldTgt/>
-                  </p:tgtEl>
-                </p:cond>
-              </p:prevCondLst>
-              <p:nextCondLst>
-                <p:cond evt="onNext" delay="0">
-                  <p:tgtEl>
-                    <p:sldTgt/>
-                  </p:tgtEl>
-                </p:cond>
-              </p:nextCondLst>
-            </p:seq>
-          </p:childTnLst>
-        </p:cTn>
-      </p:par>
-    </p:tnLst>
-  </p:timing>
-</p:sld>
-</file>
-
-<file path=ppt/slides/slide4.xml><?xml version="1.0" encoding="utf-8"?>
-<p:sld xmlns:a="http://schemas.openxmlformats.org/drawingml/2006/main" xmlns:r="http://schemas.openxmlformats.org/officeDocument/2006/relationships" xmlns:p="http://schemas.openxmlformats.org/presentationml/2006/main">
-  <p:cSld>
-    <p:spTree>
-      <p:nvGrpSpPr>
-        <p:cNvPr id="1" name=""/>
-        <p:cNvGrpSpPr/>
-        <p:nvPr/>
-      </p:nvGrpSpPr>
-      <p:grpSpPr>
-        <a:xfrm>
-          <a:off x="0" y="0"/>
-          <a:ext cx="0" cy="0"/>
-          <a:chOff x="0" y="0"/>
-          <a:chExt cx="0" cy="0"/>
-        </a:xfrm>
-      </p:grpSpPr>
-      <p:sp>
-        <p:nvSpPr>
-          <p:cNvPr id="2" name="Title 1"/>
-          <p:cNvSpPr>
-            <a:spLocks noGrp="1"/>
-          </p:cNvSpPr>
-          <p:nvPr>
-            <p:ph type="title"/>
-          </p:nvPr>
-        </p:nvSpPr>
-        <p:spPr/>
-        <p:txBody>
-          <a:bodyPr/>
-          <a:lstStyle/>
-          <a:p>
-            <a:r>
-              <a:rPr lang="en-US" dirty="0" smtClean="0"/>
               <a:t>Methodology</a:t>
             </a:r>
             <a:endParaRPr lang="en-US" dirty="0"/>
@@ -6222,6 +6012,4206 @@
 </p:sld>
 </file>
 
+<file path=ppt/slides/slide4.xml><?xml version="1.0" encoding="utf-8"?>
+<p:sld xmlns:a="http://schemas.openxmlformats.org/drawingml/2006/main" xmlns:r="http://schemas.openxmlformats.org/officeDocument/2006/relationships" xmlns:p="http://schemas.openxmlformats.org/presentationml/2006/main">
+  <p:cSld>
+    <p:spTree>
+      <p:nvGrpSpPr>
+        <p:cNvPr id="1" name=""/>
+        <p:cNvGrpSpPr/>
+        <p:nvPr/>
+      </p:nvGrpSpPr>
+      <p:grpSpPr>
+        <a:xfrm>
+          <a:off x="0" y="0"/>
+          <a:ext cx="0" cy="0"/>
+          <a:chOff x="0" y="0"/>
+          <a:chExt cx="0" cy="0"/>
+        </a:xfrm>
+      </p:grpSpPr>
+      <p:sp>
+        <p:nvSpPr>
+          <p:cNvPr id="2" name="Title 1"/>
+          <p:cNvSpPr>
+            <a:spLocks noGrp="1"/>
+          </p:cNvSpPr>
+          <p:nvPr>
+            <p:ph type="title"/>
+          </p:nvPr>
+        </p:nvSpPr>
+        <p:spPr/>
+        <p:txBody>
+          <a:bodyPr/>
+          <a:lstStyle/>
+          <a:p>
+            <a:r>
+              <a:rPr lang="en-US" dirty="0" smtClean="0"/>
+              <a:t>Results &amp; Conclusions</a:t>
+            </a:r>
+            <a:endParaRPr lang="en-US" dirty="0"/>
+          </a:p>
+        </p:txBody>
+      </p:sp>
+      <p:sp>
+        <p:nvSpPr>
+          <p:cNvPr id="6" name="Content Placeholder 2"/>
+          <p:cNvSpPr>
+            <a:spLocks noGrp="1"/>
+          </p:cNvSpPr>
+          <p:nvPr>
+            <p:ph idx="1"/>
+          </p:nvPr>
+        </p:nvSpPr>
+        <p:spPr>
+          <a:xfrm>
+            <a:off x="810000" y="1138991"/>
+            <a:ext cx="10187636" cy="2657382"/>
+          </a:xfrm>
+        </p:spPr>
+        <p:txBody>
+          <a:bodyPr>
+            <a:normAutofit/>
+          </a:bodyPr>
+          <a:lstStyle/>
+          <a:p>
+            <a:r>
+              <a:rPr lang="en-US" dirty="0" smtClean="0"/>
+              <a:t>Students performed better on the fall 2016 Object Oriented Tutorial/Guided Project</a:t>
+            </a:r>
+          </a:p>
+          <a:p>
+            <a:r>
+              <a:rPr lang="en-US" dirty="0" smtClean="0"/>
+              <a:t>As a whole, the interventions appear to be helpful</a:t>
+            </a:r>
+          </a:p>
+        </p:txBody>
+      </p:sp>
+      <p:graphicFrame>
+        <p:nvGraphicFramePr>
+          <p:cNvPr id="8" name="Table 7"/>
+          <p:cNvGraphicFramePr>
+            <a:graphicFrameLocks noGrp="1"/>
+          </p:cNvGraphicFramePr>
+          <p:nvPr>
+            <p:extLst>
+              <p:ext uri="{D42A27DB-BD31-4B8C-83A1-F6EECF244321}">
+                <p14:modId xmlns:p14="http://schemas.microsoft.com/office/powerpoint/2010/main" val="396304974"/>
+              </p:ext>
+            </p:extLst>
+          </p:nvPr>
+        </p:nvGraphicFramePr>
+        <p:xfrm>
+          <a:off x="561470" y="2913839"/>
+          <a:ext cx="10972803" cy="3950115"/>
+        </p:xfrm>
+        <a:graphic>
+          <a:graphicData uri="http://schemas.openxmlformats.org/drawingml/2006/table">
+            <a:tbl>
+              <a:tblPr>
+                <a:tableStyleId>{5C22544A-7EE6-4342-B048-85BDC9FD1C3A}</a:tableStyleId>
+              </a:tblPr>
+              <a:tblGrid>
+                <a:gridCol w="1571179">
+                  <a:extLst>
+                    <a:ext uri="{9D8B030D-6E8A-4147-A177-3AD203B41FA5}">
+                      <a16:colId xmlns:a16="http://schemas.microsoft.com/office/drawing/2014/main" val="370644014"/>
+                    </a:ext>
+                  </a:extLst>
+                </a:gridCol>
+                <a:gridCol w="1178385">
+                  <a:extLst>
+                    <a:ext uri="{9D8B030D-6E8A-4147-A177-3AD203B41FA5}">
+                      <a16:colId xmlns:a16="http://schemas.microsoft.com/office/drawing/2014/main" val="3092201286"/>
+                    </a:ext>
+                  </a:extLst>
+                </a:gridCol>
+                <a:gridCol w="667408">
+                  <a:extLst>
+                    <a:ext uri="{9D8B030D-6E8A-4147-A177-3AD203B41FA5}">
+                      <a16:colId xmlns:a16="http://schemas.microsoft.com/office/drawing/2014/main" val="3429781617"/>
+                    </a:ext>
+                  </a:extLst>
+                </a:gridCol>
+                <a:gridCol w="685553">
+                  <a:extLst>
+                    <a:ext uri="{9D8B030D-6E8A-4147-A177-3AD203B41FA5}">
+                      <a16:colId xmlns:a16="http://schemas.microsoft.com/office/drawing/2014/main" val="2032345131"/>
+                    </a:ext>
+                  </a:extLst>
+                </a:gridCol>
+                <a:gridCol w="698303">
+                  <a:extLst>
+                    <a:ext uri="{9D8B030D-6E8A-4147-A177-3AD203B41FA5}">
+                      <a16:colId xmlns:a16="http://schemas.microsoft.com/office/drawing/2014/main" val="2596158683"/>
+                    </a:ext>
+                  </a:extLst>
+                </a:gridCol>
+                <a:gridCol w="698303">
+                  <a:extLst>
+                    <a:ext uri="{9D8B030D-6E8A-4147-A177-3AD203B41FA5}">
+                      <a16:colId xmlns:a16="http://schemas.microsoft.com/office/drawing/2014/main" val="1913468845"/>
+                    </a:ext>
+                  </a:extLst>
+                </a:gridCol>
+                <a:gridCol w="698303">
+                  <a:extLst>
+                    <a:ext uri="{9D8B030D-6E8A-4147-A177-3AD203B41FA5}">
+                      <a16:colId xmlns:a16="http://schemas.microsoft.com/office/drawing/2014/main" val="1246265880"/>
+                    </a:ext>
+                  </a:extLst>
+                </a:gridCol>
+                <a:gridCol w="698303">
+                  <a:extLst>
+                    <a:ext uri="{9D8B030D-6E8A-4147-A177-3AD203B41FA5}">
+                      <a16:colId xmlns:a16="http://schemas.microsoft.com/office/drawing/2014/main" val="297275438"/>
+                    </a:ext>
+                  </a:extLst>
+                </a:gridCol>
+                <a:gridCol w="698303">
+                  <a:extLst>
+                    <a:ext uri="{9D8B030D-6E8A-4147-A177-3AD203B41FA5}">
+                      <a16:colId xmlns:a16="http://schemas.microsoft.com/office/drawing/2014/main" val="2433483924"/>
+                    </a:ext>
+                  </a:extLst>
+                </a:gridCol>
+                <a:gridCol w="843781">
+                  <a:extLst>
+                    <a:ext uri="{9D8B030D-6E8A-4147-A177-3AD203B41FA5}">
+                      <a16:colId xmlns:a16="http://schemas.microsoft.com/office/drawing/2014/main" val="889506387"/>
+                    </a:ext>
+                  </a:extLst>
+                </a:gridCol>
+                <a:gridCol w="698303">
+                  <a:extLst>
+                    <a:ext uri="{9D8B030D-6E8A-4147-A177-3AD203B41FA5}">
+                      <a16:colId xmlns:a16="http://schemas.microsoft.com/office/drawing/2014/main" val="1422287853"/>
+                    </a:ext>
+                  </a:extLst>
+                </a:gridCol>
+                <a:gridCol w="800137">
+                  <a:extLst>
+                    <a:ext uri="{9D8B030D-6E8A-4147-A177-3AD203B41FA5}">
+                      <a16:colId xmlns:a16="http://schemas.microsoft.com/office/drawing/2014/main" val="1618764572"/>
+                    </a:ext>
+                  </a:extLst>
+                </a:gridCol>
+                <a:gridCol w="1036542">
+                  <a:extLst>
+                    <a:ext uri="{9D8B030D-6E8A-4147-A177-3AD203B41FA5}">
+                      <a16:colId xmlns:a16="http://schemas.microsoft.com/office/drawing/2014/main" val="520306932"/>
+                    </a:ext>
+                  </a:extLst>
+                </a:gridCol>
+              </a:tblGrid>
+              <a:tr h="396995">
+                <a:tc>
+                  <a:txBody>
+                    <a:bodyPr/>
+                    <a:lstStyle/>
+                    <a:p>
+                      <a:pPr algn="ctr" fontAlgn="b"/>
+                      <a:r>
+                        <a:rPr lang="en-US" sz="1300" u="none" strike="noStrike" dirty="0">
+                          <a:effectLst/>
+                        </a:rPr>
+                        <a:t> </a:t>
+                      </a:r>
+                      <a:endParaRPr lang="en-US" sz="1300" b="0" i="0" u="none" strike="noStrike" dirty="0">
+                        <a:solidFill>
+                          <a:srgbClr val="000000"/>
+                        </a:solidFill>
+                        <a:effectLst/>
+                        <a:latin typeface="Calibri" panose="020F0502020204030204" pitchFamily="34" charset="0"/>
+                      </a:endParaRPr>
+                    </a:p>
+                  </a:txBody>
+                  <a:tcPr marL="10915" marR="10915" marT="10915" marB="0" anchor="b"/>
+                </a:tc>
+                <a:tc>
+                  <a:txBody>
+                    <a:bodyPr/>
+                    <a:lstStyle/>
+                    <a:p>
+                      <a:pPr algn="ctr" fontAlgn="b"/>
+                      <a:r>
+                        <a:rPr lang="en-US" sz="1300" u="none" strike="noStrike">
+                          <a:effectLst/>
+                        </a:rPr>
+                        <a:t>Object Oriented</a:t>
+                      </a:r>
+                      <a:endParaRPr lang="en-US" sz="1300" b="0" i="0" u="none" strike="noStrike">
+                        <a:solidFill>
+                          <a:srgbClr val="000000"/>
+                        </a:solidFill>
+                        <a:effectLst/>
+                        <a:latin typeface="Calibri" panose="020F0502020204030204" pitchFamily="34" charset="0"/>
+                      </a:endParaRPr>
+                    </a:p>
+                  </a:txBody>
+                  <a:tcPr marL="10915" marR="10915" marT="10915" marB="0" anchor="b"/>
+                </a:tc>
+                <a:tc>
+                  <a:txBody>
+                    <a:bodyPr/>
+                    <a:lstStyle/>
+                    <a:p>
+                      <a:pPr algn="ctr" fontAlgn="b"/>
+                      <a:r>
+                        <a:rPr lang="en-US" sz="1300" u="none" strike="noStrike">
+                          <a:effectLst/>
+                        </a:rPr>
+                        <a:t>Testing</a:t>
+                      </a:r>
+                      <a:endParaRPr lang="en-US" sz="1300" b="0" i="0" u="none" strike="noStrike">
+                        <a:solidFill>
+                          <a:srgbClr val="000000"/>
+                        </a:solidFill>
+                        <a:effectLst/>
+                        <a:latin typeface="Calibri" panose="020F0502020204030204" pitchFamily="34" charset="0"/>
+                      </a:endParaRPr>
+                    </a:p>
+                  </a:txBody>
+                  <a:tcPr marL="10915" marR="10915" marT="10915" marB="0" anchor="b"/>
+                </a:tc>
+                <a:tc>
+                  <a:txBody>
+                    <a:bodyPr/>
+                    <a:lstStyle/>
+                    <a:p>
+                      <a:pPr algn="ctr" fontAlgn="b"/>
+                      <a:r>
+                        <a:rPr lang="en-US" sz="1300" u="none" strike="noStrike">
+                          <a:effectLst/>
+                        </a:rPr>
+                        <a:t>P1P1</a:t>
+                      </a:r>
+                      <a:endParaRPr lang="en-US" sz="1300" b="0" i="0" u="none" strike="noStrike">
+                        <a:solidFill>
+                          <a:srgbClr val="000000"/>
+                        </a:solidFill>
+                        <a:effectLst/>
+                        <a:latin typeface="Calibri" panose="020F0502020204030204" pitchFamily="34" charset="0"/>
+                      </a:endParaRPr>
+                    </a:p>
+                  </a:txBody>
+                  <a:tcPr marL="10915" marR="10915" marT="10915" marB="0" anchor="b"/>
+                </a:tc>
+                <a:tc>
+                  <a:txBody>
+                    <a:bodyPr/>
+                    <a:lstStyle/>
+                    <a:p>
+                      <a:pPr algn="ctr" fontAlgn="b"/>
+                      <a:r>
+                        <a:rPr lang="en-US" sz="1300" u="none" strike="noStrike">
+                          <a:effectLst/>
+                        </a:rPr>
+                        <a:t>P1P2</a:t>
+                      </a:r>
+                      <a:endParaRPr lang="en-US" sz="1300" b="0" i="0" u="none" strike="noStrike">
+                        <a:solidFill>
+                          <a:srgbClr val="000000"/>
+                        </a:solidFill>
+                        <a:effectLst/>
+                        <a:latin typeface="Calibri" panose="020F0502020204030204" pitchFamily="34" charset="0"/>
+                      </a:endParaRPr>
+                    </a:p>
+                  </a:txBody>
+                  <a:tcPr marL="10915" marR="10915" marT="10915" marB="0" anchor="b"/>
+                </a:tc>
+                <a:tc>
+                  <a:txBody>
+                    <a:bodyPr/>
+                    <a:lstStyle/>
+                    <a:p>
+                      <a:pPr algn="ctr" fontAlgn="b"/>
+                      <a:r>
+                        <a:rPr lang="en-US" sz="1300" u="none" strike="noStrike">
+                          <a:effectLst/>
+                        </a:rPr>
+                        <a:t>P2P1</a:t>
+                      </a:r>
+                      <a:endParaRPr lang="en-US" sz="1300" b="0" i="0" u="none" strike="noStrike">
+                        <a:solidFill>
+                          <a:srgbClr val="000000"/>
+                        </a:solidFill>
+                        <a:effectLst/>
+                        <a:latin typeface="Calibri" panose="020F0502020204030204" pitchFamily="34" charset="0"/>
+                      </a:endParaRPr>
+                    </a:p>
+                  </a:txBody>
+                  <a:tcPr marL="10915" marR="10915" marT="10915" marB="0" anchor="b"/>
+                </a:tc>
+                <a:tc>
+                  <a:txBody>
+                    <a:bodyPr/>
+                    <a:lstStyle/>
+                    <a:p>
+                      <a:pPr algn="ctr" fontAlgn="b"/>
+                      <a:r>
+                        <a:rPr lang="en-US" sz="1300" u="none" strike="noStrike">
+                          <a:effectLst/>
+                        </a:rPr>
+                        <a:t>P2P2</a:t>
+                      </a:r>
+                      <a:endParaRPr lang="en-US" sz="1300" b="0" i="0" u="none" strike="noStrike">
+                        <a:solidFill>
+                          <a:srgbClr val="000000"/>
+                        </a:solidFill>
+                        <a:effectLst/>
+                        <a:latin typeface="Calibri" panose="020F0502020204030204" pitchFamily="34" charset="0"/>
+                      </a:endParaRPr>
+                    </a:p>
+                  </a:txBody>
+                  <a:tcPr marL="10915" marR="10915" marT="10915" marB="0" anchor="b"/>
+                </a:tc>
+                <a:tc>
+                  <a:txBody>
+                    <a:bodyPr/>
+                    <a:lstStyle/>
+                    <a:p>
+                      <a:pPr algn="ctr" fontAlgn="b"/>
+                      <a:r>
+                        <a:rPr lang="en-US" sz="1300" u="none" strike="noStrike">
+                          <a:effectLst/>
+                        </a:rPr>
+                        <a:t>P3P1</a:t>
+                      </a:r>
+                      <a:endParaRPr lang="en-US" sz="1300" b="0" i="0" u="none" strike="noStrike">
+                        <a:solidFill>
+                          <a:srgbClr val="000000"/>
+                        </a:solidFill>
+                        <a:effectLst/>
+                        <a:latin typeface="Calibri" panose="020F0502020204030204" pitchFamily="34" charset="0"/>
+                      </a:endParaRPr>
+                    </a:p>
+                  </a:txBody>
+                  <a:tcPr marL="10915" marR="10915" marT="10915" marB="0" anchor="b"/>
+                </a:tc>
+                <a:tc>
+                  <a:txBody>
+                    <a:bodyPr/>
+                    <a:lstStyle/>
+                    <a:p>
+                      <a:pPr algn="ctr" fontAlgn="b"/>
+                      <a:r>
+                        <a:rPr lang="en-US" sz="1300" u="none" strike="noStrike">
+                          <a:effectLst/>
+                        </a:rPr>
+                        <a:t>P3P2</a:t>
+                      </a:r>
+                      <a:endParaRPr lang="en-US" sz="1300" b="0" i="0" u="none" strike="noStrike">
+                        <a:solidFill>
+                          <a:srgbClr val="000000"/>
+                        </a:solidFill>
+                        <a:effectLst/>
+                        <a:latin typeface="Calibri" panose="020F0502020204030204" pitchFamily="34" charset="0"/>
+                      </a:endParaRPr>
+                    </a:p>
+                  </a:txBody>
+                  <a:tcPr marL="10915" marR="10915" marT="10915" marB="0" anchor="b"/>
+                </a:tc>
+                <a:tc>
+                  <a:txBody>
+                    <a:bodyPr/>
+                    <a:lstStyle/>
+                    <a:p>
+                      <a:pPr algn="ctr" fontAlgn="b"/>
+                      <a:r>
+                        <a:rPr lang="en-US" sz="1300" u="none" strike="noStrike">
+                          <a:effectLst/>
+                        </a:rPr>
+                        <a:t>Exam1</a:t>
+                      </a:r>
+                      <a:endParaRPr lang="en-US" sz="1300" b="0" i="0" u="none" strike="noStrike">
+                        <a:solidFill>
+                          <a:srgbClr val="000000"/>
+                        </a:solidFill>
+                        <a:effectLst/>
+                        <a:latin typeface="Calibri" panose="020F0502020204030204" pitchFamily="34" charset="0"/>
+                      </a:endParaRPr>
+                    </a:p>
+                  </a:txBody>
+                  <a:tcPr marL="10915" marR="10915" marT="10915" marB="0" anchor="b"/>
+                </a:tc>
+                <a:tc>
+                  <a:txBody>
+                    <a:bodyPr/>
+                    <a:lstStyle/>
+                    <a:p>
+                      <a:pPr algn="ctr" fontAlgn="b"/>
+                      <a:r>
+                        <a:rPr lang="en-US" sz="1300" u="none" strike="noStrike">
+                          <a:effectLst/>
+                        </a:rPr>
+                        <a:t>Exam2</a:t>
+                      </a:r>
+                      <a:endParaRPr lang="en-US" sz="1300" b="0" i="0" u="none" strike="noStrike">
+                        <a:solidFill>
+                          <a:srgbClr val="000000"/>
+                        </a:solidFill>
+                        <a:effectLst/>
+                        <a:latin typeface="Calibri" panose="020F0502020204030204" pitchFamily="34" charset="0"/>
+                      </a:endParaRPr>
+                    </a:p>
+                  </a:txBody>
+                  <a:tcPr marL="10915" marR="10915" marT="10915" marB="0" anchor="b"/>
+                </a:tc>
+                <a:tc>
+                  <a:txBody>
+                    <a:bodyPr/>
+                    <a:lstStyle/>
+                    <a:p>
+                      <a:pPr algn="ctr" fontAlgn="b"/>
+                      <a:r>
+                        <a:rPr lang="en-US" sz="1300" u="none" strike="noStrike">
+                          <a:effectLst/>
+                        </a:rPr>
+                        <a:t>Final Exam</a:t>
+                      </a:r>
+                      <a:endParaRPr lang="en-US" sz="1300" b="0" i="0" u="none" strike="noStrike">
+                        <a:solidFill>
+                          <a:srgbClr val="000000"/>
+                        </a:solidFill>
+                        <a:effectLst/>
+                        <a:latin typeface="Calibri" panose="020F0502020204030204" pitchFamily="34" charset="0"/>
+                      </a:endParaRPr>
+                    </a:p>
+                  </a:txBody>
+                  <a:tcPr marL="10915" marR="10915" marT="10915" marB="0" anchor="b"/>
+                </a:tc>
+                <a:tc>
+                  <a:txBody>
+                    <a:bodyPr/>
+                    <a:lstStyle/>
+                    <a:p>
+                      <a:pPr algn="ctr" fontAlgn="b"/>
+                      <a:r>
+                        <a:rPr lang="en-US" sz="1300" u="none" strike="noStrike">
+                          <a:effectLst/>
+                        </a:rPr>
+                        <a:t> Final Average</a:t>
+                      </a:r>
+                      <a:endParaRPr lang="en-US" sz="1300" b="0" i="0" u="none" strike="noStrike">
+                        <a:solidFill>
+                          <a:srgbClr val="000000"/>
+                        </a:solidFill>
+                        <a:effectLst/>
+                        <a:latin typeface="Calibri" panose="020F0502020204030204" pitchFamily="34" charset="0"/>
+                      </a:endParaRPr>
+                    </a:p>
+                  </a:txBody>
+                  <a:tcPr marL="10915" marR="10915" marT="10915" marB="0" anchor="b"/>
+                </a:tc>
+                <a:extLst>
+                  <a:ext uri="{0D108BD9-81ED-4DB2-BD59-A6C34878D82A}">
+                    <a16:rowId xmlns:a16="http://schemas.microsoft.com/office/drawing/2014/main" val="939875175"/>
+                  </a:ext>
+                </a:extLst>
+              </a:tr>
+              <a:tr h="272865">
+                <a:tc>
+                  <a:txBody>
+                    <a:bodyPr/>
+                    <a:lstStyle/>
+                    <a:p>
+                      <a:pPr algn="ctr" fontAlgn="ctr"/>
+                      <a:r>
+                        <a:rPr lang="en-US" sz="1300" u="none" strike="noStrike" dirty="0">
+                          <a:effectLst/>
+                        </a:rPr>
+                        <a:t>All</a:t>
+                      </a:r>
+                      <a:endParaRPr lang="en-US" sz="1300" b="0" i="0" u="none" strike="noStrike" dirty="0">
+                        <a:solidFill>
+                          <a:srgbClr val="000000"/>
+                        </a:solidFill>
+                        <a:effectLst/>
+                        <a:latin typeface="Calibri" panose="020F0502020204030204" pitchFamily="34" charset="0"/>
+                      </a:endParaRPr>
+                    </a:p>
+                  </a:txBody>
+                  <a:tcPr marL="10915" marR="10915" marT="10915" marB="0" anchor="ctr"/>
+                </a:tc>
+                <a:tc>
+                  <a:txBody>
+                    <a:bodyPr/>
+                    <a:lstStyle/>
+                    <a:p>
+                      <a:pPr algn="ctr" fontAlgn="b"/>
+                      <a:r>
+                        <a:rPr lang="en-US" sz="1600" b="1" u="none" strike="noStrike" dirty="0">
+                          <a:effectLst/>
+                        </a:rPr>
+                        <a:t>+</a:t>
+                      </a:r>
+                      <a:endParaRPr lang="en-US" sz="1600" b="1" i="0" u="none" strike="noStrike" dirty="0">
+                        <a:solidFill>
+                          <a:srgbClr val="006100"/>
+                        </a:solidFill>
+                        <a:effectLst/>
+                        <a:latin typeface="Calibri" panose="020F0502020204030204" pitchFamily="34" charset="0"/>
+                      </a:endParaRPr>
+                    </a:p>
+                  </a:txBody>
+                  <a:tcPr marL="10915" marR="10915" marT="10915" marB="0" anchor="b"/>
+                </a:tc>
+                <a:tc>
+                  <a:txBody>
+                    <a:bodyPr/>
+                    <a:lstStyle/>
+                    <a:p>
+                      <a:pPr algn="ctr" fontAlgn="b"/>
+                      <a:r>
+                        <a:rPr lang="en-US" sz="1600" b="1" u="none" strike="noStrike" dirty="0">
+                          <a:effectLst/>
+                        </a:rPr>
+                        <a:t> </a:t>
+                      </a:r>
+                      <a:endParaRPr lang="en-US" sz="1600" b="1" i="0" u="none" strike="noStrike" dirty="0">
+                        <a:solidFill>
+                          <a:srgbClr val="000000"/>
+                        </a:solidFill>
+                        <a:effectLst/>
+                        <a:latin typeface="Calibri" panose="020F0502020204030204" pitchFamily="34" charset="0"/>
+                      </a:endParaRPr>
+                    </a:p>
+                  </a:txBody>
+                  <a:tcPr marL="10915" marR="10915" marT="10915" marB="0" anchor="b"/>
+                </a:tc>
+                <a:tc>
+                  <a:txBody>
+                    <a:bodyPr/>
+                    <a:lstStyle/>
+                    <a:p>
+                      <a:pPr algn="ctr" fontAlgn="b"/>
+                      <a:r>
+                        <a:rPr lang="en-US" sz="1600" b="1" u="none" strike="noStrike">
+                          <a:effectLst/>
+                        </a:rPr>
+                        <a:t> </a:t>
+                      </a:r>
+                      <a:endParaRPr lang="en-US" sz="1600" b="1" i="0" u="none" strike="noStrike">
+                        <a:solidFill>
+                          <a:srgbClr val="000000"/>
+                        </a:solidFill>
+                        <a:effectLst/>
+                        <a:latin typeface="Calibri" panose="020F0502020204030204" pitchFamily="34" charset="0"/>
+                      </a:endParaRPr>
+                    </a:p>
+                  </a:txBody>
+                  <a:tcPr marL="10915" marR="10915" marT="10915" marB="0" anchor="b"/>
+                </a:tc>
+                <a:tc>
+                  <a:txBody>
+                    <a:bodyPr/>
+                    <a:lstStyle/>
+                    <a:p>
+                      <a:pPr algn="ctr" fontAlgn="b"/>
+                      <a:r>
+                        <a:rPr lang="en-US" sz="1600" b="1" u="none" strike="noStrike">
+                          <a:effectLst/>
+                        </a:rPr>
+                        <a:t>-</a:t>
+                      </a:r>
+                      <a:endParaRPr lang="en-US" sz="1600" b="1" i="0" u="none" strike="noStrike">
+                        <a:solidFill>
+                          <a:srgbClr val="9C0006"/>
+                        </a:solidFill>
+                        <a:effectLst/>
+                        <a:latin typeface="Calibri" panose="020F0502020204030204" pitchFamily="34" charset="0"/>
+                      </a:endParaRPr>
+                    </a:p>
+                  </a:txBody>
+                  <a:tcPr marL="10915" marR="10915" marT="10915" marB="0" anchor="b"/>
+                </a:tc>
+                <a:tc>
+                  <a:txBody>
+                    <a:bodyPr/>
+                    <a:lstStyle/>
+                    <a:p>
+                      <a:pPr algn="ctr" fontAlgn="b"/>
+                      <a:r>
+                        <a:rPr lang="en-US" sz="1600" b="1" u="none" strike="noStrike">
+                          <a:effectLst/>
+                        </a:rPr>
+                        <a:t> </a:t>
+                      </a:r>
+                      <a:endParaRPr lang="en-US" sz="1600" b="1" i="0" u="none" strike="noStrike">
+                        <a:solidFill>
+                          <a:srgbClr val="000000"/>
+                        </a:solidFill>
+                        <a:effectLst/>
+                        <a:latin typeface="Calibri" panose="020F0502020204030204" pitchFamily="34" charset="0"/>
+                      </a:endParaRPr>
+                    </a:p>
+                  </a:txBody>
+                  <a:tcPr marL="10915" marR="10915" marT="10915" marB="0" anchor="b"/>
+                </a:tc>
+                <a:tc>
+                  <a:txBody>
+                    <a:bodyPr/>
+                    <a:lstStyle/>
+                    <a:p>
+                      <a:pPr algn="ctr" fontAlgn="b"/>
+                      <a:r>
+                        <a:rPr lang="en-US" sz="1600" b="1" u="none" strike="noStrike">
+                          <a:effectLst/>
+                        </a:rPr>
+                        <a:t> </a:t>
+                      </a:r>
+                      <a:endParaRPr lang="en-US" sz="1600" b="1" i="0" u="none" strike="noStrike">
+                        <a:solidFill>
+                          <a:srgbClr val="000000"/>
+                        </a:solidFill>
+                        <a:effectLst/>
+                        <a:latin typeface="Calibri" panose="020F0502020204030204" pitchFamily="34" charset="0"/>
+                      </a:endParaRPr>
+                    </a:p>
+                  </a:txBody>
+                  <a:tcPr marL="10915" marR="10915" marT="10915" marB="0" anchor="b"/>
+                </a:tc>
+                <a:tc>
+                  <a:txBody>
+                    <a:bodyPr/>
+                    <a:lstStyle/>
+                    <a:p>
+                      <a:pPr algn="ctr" fontAlgn="b"/>
+                      <a:r>
+                        <a:rPr lang="en-US" sz="1600" b="1" u="none" strike="noStrike">
+                          <a:effectLst/>
+                        </a:rPr>
+                        <a:t>-</a:t>
+                      </a:r>
+                      <a:endParaRPr lang="en-US" sz="1600" b="1" i="0" u="none" strike="noStrike">
+                        <a:solidFill>
+                          <a:srgbClr val="9C0006"/>
+                        </a:solidFill>
+                        <a:effectLst/>
+                        <a:latin typeface="Calibri" panose="020F0502020204030204" pitchFamily="34" charset="0"/>
+                      </a:endParaRPr>
+                    </a:p>
+                  </a:txBody>
+                  <a:tcPr marL="10915" marR="10915" marT="10915" marB="0" anchor="b"/>
+                </a:tc>
+                <a:tc>
+                  <a:txBody>
+                    <a:bodyPr/>
+                    <a:lstStyle/>
+                    <a:p>
+                      <a:pPr algn="ctr" fontAlgn="b"/>
+                      <a:r>
+                        <a:rPr lang="en-US" sz="1600" b="1" u="none" strike="noStrike">
+                          <a:effectLst/>
+                        </a:rPr>
+                        <a:t> </a:t>
+                      </a:r>
+                      <a:endParaRPr lang="en-US" sz="1600" b="1" i="0" u="none" strike="noStrike">
+                        <a:solidFill>
+                          <a:srgbClr val="000000"/>
+                        </a:solidFill>
+                        <a:effectLst/>
+                        <a:latin typeface="Calibri" panose="020F0502020204030204" pitchFamily="34" charset="0"/>
+                      </a:endParaRPr>
+                    </a:p>
+                  </a:txBody>
+                  <a:tcPr marL="10915" marR="10915" marT="10915" marB="0" anchor="b"/>
+                </a:tc>
+                <a:tc>
+                  <a:txBody>
+                    <a:bodyPr/>
+                    <a:lstStyle/>
+                    <a:p>
+                      <a:pPr algn="ctr" fontAlgn="b"/>
+                      <a:r>
+                        <a:rPr lang="en-US" sz="1600" b="1" u="none" strike="noStrike">
+                          <a:effectLst/>
+                        </a:rPr>
+                        <a:t> </a:t>
+                      </a:r>
+                      <a:endParaRPr lang="en-US" sz="1600" b="1" i="0" u="none" strike="noStrike">
+                        <a:solidFill>
+                          <a:srgbClr val="000000"/>
+                        </a:solidFill>
+                        <a:effectLst/>
+                        <a:latin typeface="Calibri" panose="020F0502020204030204" pitchFamily="34" charset="0"/>
+                      </a:endParaRPr>
+                    </a:p>
+                  </a:txBody>
+                  <a:tcPr marL="10915" marR="10915" marT="10915" marB="0" anchor="b"/>
+                </a:tc>
+                <a:tc>
+                  <a:txBody>
+                    <a:bodyPr/>
+                    <a:lstStyle/>
+                    <a:p>
+                      <a:pPr algn="ctr" fontAlgn="b"/>
+                      <a:r>
+                        <a:rPr lang="en-US" sz="1600" b="1" u="none" strike="noStrike">
+                          <a:effectLst/>
+                        </a:rPr>
+                        <a:t>+</a:t>
+                      </a:r>
+                      <a:endParaRPr lang="en-US" sz="1600" b="1" i="0" u="none" strike="noStrike">
+                        <a:solidFill>
+                          <a:srgbClr val="006100"/>
+                        </a:solidFill>
+                        <a:effectLst/>
+                        <a:latin typeface="Calibri" panose="020F0502020204030204" pitchFamily="34" charset="0"/>
+                      </a:endParaRPr>
+                    </a:p>
+                  </a:txBody>
+                  <a:tcPr marL="10915" marR="10915" marT="10915" marB="0" anchor="b"/>
+                </a:tc>
+                <a:tc>
+                  <a:txBody>
+                    <a:bodyPr/>
+                    <a:lstStyle/>
+                    <a:p>
+                      <a:pPr algn="ctr" fontAlgn="b"/>
+                      <a:r>
+                        <a:rPr lang="en-US" sz="1600" b="1" u="none" strike="noStrike">
+                          <a:effectLst/>
+                        </a:rPr>
+                        <a:t> </a:t>
+                      </a:r>
+                      <a:endParaRPr lang="en-US" sz="1600" b="1" i="0" u="none" strike="noStrike">
+                        <a:solidFill>
+                          <a:srgbClr val="000000"/>
+                        </a:solidFill>
+                        <a:effectLst/>
+                        <a:latin typeface="Calibri" panose="020F0502020204030204" pitchFamily="34" charset="0"/>
+                      </a:endParaRPr>
+                    </a:p>
+                  </a:txBody>
+                  <a:tcPr marL="10915" marR="10915" marT="10915" marB="0" anchor="b"/>
+                </a:tc>
+                <a:tc>
+                  <a:txBody>
+                    <a:bodyPr/>
+                    <a:lstStyle/>
+                    <a:p>
+                      <a:pPr algn="ctr" fontAlgn="b"/>
+                      <a:r>
+                        <a:rPr lang="en-US" sz="1600" b="1" u="none" strike="noStrike">
+                          <a:effectLst/>
+                        </a:rPr>
+                        <a:t>+</a:t>
+                      </a:r>
+                      <a:endParaRPr lang="en-US" sz="1600" b="1" i="0" u="none" strike="noStrike">
+                        <a:solidFill>
+                          <a:srgbClr val="006100"/>
+                        </a:solidFill>
+                        <a:effectLst/>
+                        <a:latin typeface="Calibri" panose="020F0502020204030204" pitchFamily="34" charset="0"/>
+                      </a:endParaRPr>
+                    </a:p>
+                  </a:txBody>
+                  <a:tcPr marL="10915" marR="10915" marT="10915" marB="0" anchor="b"/>
+                </a:tc>
+                <a:extLst>
+                  <a:ext uri="{0D108BD9-81ED-4DB2-BD59-A6C34878D82A}">
+                    <a16:rowId xmlns:a16="http://schemas.microsoft.com/office/drawing/2014/main" val="4172701505"/>
+                  </a:ext>
+                </a:extLst>
+              </a:tr>
+              <a:tr h="272865">
+                <a:tc>
+                  <a:txBody>
+                    <a:bodyPr/>
+                    <a:lstStyle/>
+                    <a:p>
+                      <a:pPr algn="ctr" fontAlgn="ctr"/>
+                      <a:r>
+                        <a:rPr lang="en-US" sz="1300" u="none" strike="noStrike">
+                          <a:effectLst/>
+                        </a:rPr>
+                        <a:t>White</a:t>
+                      </a:r>
+                      <a:endParaRPr lang="en-US" sz="1300" b="0" i="0" u="none" strike="noStrike">
+                        <a:solidFill>
+                          <a:srgbClr val="000000"/>
+                        </a:solidFill>
+                        <a:effectLst/>
+                        <a:latin typeface="Calibri" panose="020F0502020204030204" pitchFamily="34" charset="0"/>
+                      </a:endParaRPr>
+                    </a:p>
+                  </a:txBody>
+                  <a:tcPr marL="10915" marR="10915" marT="10915" marB="0" anchor="ctr"/>
+                </a:tc>
+                <a:tc>
+                  <a:txBody>
+                    <a:bodyPr/>
+                    <a:lstStyle/>
+                    <a:p>
+                      <a:pPr algn="ctr" fontAlgn="b"/>
+                      <a:r>
+                        <a:rPr lang="en-US" sz="1600" b="1" u="none" strike="noStrike" dirty="0">
+                          <a:effectLst/>
+                        </a:rPr>
+                        <a:t>+</a:t>
+                      </a:r>
+                      <a:endParaRPr lang="en-US" sz="1600" b="1" i="0" u="none" strike="noStrike" dirty="0">
+                        <a:solidFill>
+                          <a:srgbClr val="006100"/>
+                        </a:solidFill>
+                        <a:effectLst/>
+                        <a:latin typeface="Calibri" panose="020F0502020204030204" pitchFamily="34" charset="0"/>
+                      </a:endParaRPr>
+                    </a:p>
+                  </a:txBody>
+                  <a:tcPr marL="10915" marR="10915" marT="10915" marB="0" anchor="b"/>
+                </a:tc>
+                <a:tc>
+                  <a:txBody>
+                    <a:bodyPr/>
+                    <a:lstStyle/>
+                    <a:p>
+                      <a:pPr algn="ctr" fontAlgn="b"/>
+                      <a:r>
+                        <a:rPr lang="en-US" sz="1600" b="1" u="none" strike="noStrike">
+                          <a:effectLst/>
+                        </a:rPr>
+                        <a:t> </a:t>
+                      </a:r>
+                      <a:endParaRPr lang="en-US" sz="1600" b="1" i="0" u="none" strike="noStrike">
+                        <a:solidFill>
+                          <a:srgbClr val="000000"/>
+                        </a:solidFill>
+                        <a:effectLst/>
+                        <a:latin typeface="Calibri" panose="020F0502020204030204" pitchFamily="34" charset="0"/>
+                      </a:endParaRPr>
+                    </a:p>
+                  </a:txBody>
+                  <a:tcPr marL="10915" marR="10915" marT="10915" marB="0" anchor="b"/>
+                </a:tc>
+                <a:tc>
+                  <a:txBody>
+                    <a:bodyPr/>
+                    <a:lstStyle/>
+                    <a:p>
+                      <a:pPr algn="ctr" fontAlgn="b"/>
+                      <a:r>
+                        <a:rPr lang="en-US" sz="1600" b="1" u="none" strike="noStrike">
+                          <a:effectLst/>
+                        </a:rPr>
+                        <a:t> </a:t>
+                      </a:r>
+                      <a:endParaRPr lang="en-US" sz="1600" b="1" i="0" u="none" strike="noStrike">
+                        <a:solidFill>
+                          <a:srgbClr val="000000"/>
+                        </a:solidFill>
+                        <a:effectLst/>
+                        <a:latin typeface="Calibri" panose="020F0502020204030204" pitchFamily="34" charset="0"/>
+                      </a:endParaRPr>
+                    </a:p>
+                  </a:txBody>
+                  <a:tcPr marL="10915" marR="10915" marT="10915" marB="0" anchor="b"/>
+                </a:tc>
+                <a:tc>
+                  <a:txBody>
+                    <a:bodyPr/>
+                    <a:lstStyle/>
+                    <a:p>
+                      <a:pPr algn="ctr" fontAlgn="b"/>
+                      <a:r>
+                        <a:rPr lang="en-US" sz="1600" b="1" u="none" strike="noStrike">
+                          <a:effectLst/>
+                        </a:rPr>
+                        <a:t>-</a:t>
+                      </a:r>
+                      <a:endParaRPr lang="en-US" sz="1600" b="1" i="0" u="none" strike="noStrike">
+                        <a:solidFill>
+                          <a:srgbClr val="9C0006"/>
+                        </a:solidFill>
+                        <a:effectLst/>
+                        <a:latin typeface="Calibri" panose="020F0502020204030204" pitchFamily="34" charset="0"/>
+                      </a:endParaRPr>
+                    </a:p>
+                  </a:txBody>
+                  <a:tcPr marL="10915" marR="10915" marT="10915" marB="0" anchor="b"/>
+                </a:tc>
+                <a:tc>
+                  <a:txBody>
+                    <a:bodyPr/>
+                    <a:lstStyle/>
+                    <a:p>
+                      <a:pPr algn="ctr" fontAlgn="b"/>
+                      <a:r>
+                        <a:rPr lang="en-US" sz="1600" b="1" u="none" strike="noStrike">
+                          <a:effectLst/>
+                        </a:rPr>
+                        <a:t> </a:t>
+                      </a:r>
+                      <a:endParaRPr lang="en-US" sz="1600" b="1" i="0" u="none" strike="noStrike">
+                        <a:solidFill>
+                          <a:srgbClr val="000000"/>
+                        </a:solidFill>
+                        <a:effectLst/>
+                        <a:latin typeface="Calibri" panose="020F0502020204030204" pitchFamily="34" charset="0"/>
+                      </a:endParaRPr>
+                    </a:p>
+                  </a:txBody>
+                  <a:tcPr marL="10915" marR="10915" marT="10915" marB="0" anchor="b"/>
+                </a:tc>
+                <a:tc>
+                  <a:txBody>
+                    <a:bodyPr/>
+                    <a:lstStyle/>
+                    <a:p>
+                      <a:pPr algn="ctr" fontAlgn="b"/>
+                      <a:r>
+                        <a:rPr lang="en-US" sz="1600" b="1" u="none" strike="noStrike">
+                          <a:effectLst/>
+                        </a:rPr>
+                        <a:t>+</a:t>
+                      </a:r>
+                      <a:endParaRPr lang="en-US" sz="1600" b="1" i="0" u="none" strike="noStrike">
+                        <a:solidFill>
+                          <a:srgbClr val="006100"/>
+                        </a:solidFill>
+                        <a:effectLst/>
+                        <a:latin typeface="Calibri" panose="020F0502020204030204" pitchFamily="34" charset="0"/>
+                      </a:endParaRPr>
+                    </a:p>
+                  </a:txBody>
+                  <a:tcPr marL="10915" marR="10915" marT="10915" marB="0" anchor="b"/>
+                </a:tc>
+                <a:tc>
+                  <a:txBody>
+                    <a:bodyPr/>
+                    <a:lstStyle/>
+                    <a:p>
+                      <a:pPr algn="ctr" fontAlgn="b"/>
+                      <a:r>
+                        <a:rPr lang="en-US" sz="1600" b="1" u="none" strike="noStrike">
+                          <a:effectLst/>
+                        </a:rPr>
+                        <a:t>-</a:t>
+                      </a:r>
+                      <a:endParaRPr lang="en-US" sz="1600" b="1" i="0" u="none" strike="noStrike">
+                        <a:solidFill>
+                          <a:srgbClr val="9C0006"/>
+                        </a:solidFill>
+                        <a:effectLst/>
+                        <a:latin typeface="Calibri" panose="020F0502020204030204" pitchFamily="34" charset="0"/>
+                      </a:endParaRPr>
+                    </a:p>
+                  </a:txBody>
+                  <a:tcPr marL="10915" marR="10915" marT="10915" marB="0" anchor="b"/>
+                </a:tc>
+                <a:tc>
+                  <a:txBody>
+                    <a:bodyPr/>
+                    <a:lstStyle/>
+                    <a:p>
+                      <a:pPr algn="ctr" fontAlgn="b"/>
+                      <a:r>
+                        <a:rPr lang="en-US" sz="1600" b="1" u="none" strike="noStrike">
+                          <a:effectLst/>
+                        </a:rPr>
+                        <a:t> </a:t>
+                      </a:r>
+                      <a:endParaRPr lang="en-US" sz="1600" b="1" i="0" u="none" strike="noStrike">
+                        <a:solidFill>
+                          <a:srgbClr val="000000"/>
+                        </a:solidFill>
+                        <a:effectLst/>
+                        <a:latin typeface="Calibri" panose="020F0502020204030204" pitchFamily="34" charset="0"/>
+                      </a:endParaRPr>
+                    </a:p>
+                  </a:txBody>
+                  <a:tcPr marL="10915" marR="10915" marT="10915" marB="0" anchor="b"/>
+                </a:tc>
+                <a:tc>
+                  <a:txBody>
+                    <a:bodyPr/>
+                    <a:lstStyle/>
+                    <a:p>
+                      <a:pPr algn="ctr" fontAlgn="b"/>
+                      <a:r>
+                        <a:rPr lang="en-US" sz="1600" b="1" u="none" strike="noStrike">
+                          <a:effectLst/>
+                        </a:rPr>
+                        <a:t> </a:t>
+                      </a:r>
+                      <a:endParaRPr lang="en-US" sz="1600" b="1" i="0" u="none" strike="noStrike">
+                        <a:solidFill>
+                          <a:srgbClr val="000000"/>
+                        </a:solidFill>
+                        <a:effectLst/>
+                        <a:latin typeface="Calibri" panose="020F0502020204030204" pitchFamily="34" charset="0"/>
+                      </a:endParaRPr>
+                    </a:p>
+                  </a:txBody>
+                  <a:tcPr marL="10915" marR="10915" marT="10915" marB="0" anchor="b"/>
+                </a:tc>
+                <a:tc>
+                  <a:txBody>
+                    <a:bodyPr/>
+                    <a:lstStyle/>
+                    <a:p>
+                      <a:pPr algn="ctr" fontAlgn="b"/>
+                      <a:r>
+                        <a:rPr lang="en-US" sz="1600" b="1" u="none" strike="noStrike">
+                          <a:effectLst/>
+                        </a:rPr>
+                        <a:t>+</a:t>
+                      </a:r>
+                      <a:endParaRPr lang="en-US" sz="1600" b="1" i="0" u="none" strike="noStrike">
+                        <a:solidFill>
+                          <a:srgbClr val="006100"/>
+                        </a:solidFill>
+                        <a:effectLst/>
+                        <a:latin typeface="Calibri" panose="020F0502020204030204" pitchFamily="34" charset="0"/>
+                      </a:endParaRPr>
+                    </a:p>
+                  </a:txBody>
+                  <a:tcPr marL="10915" marR="10915" marT="10915" marB="0" anchor="b"/>
+                </a:tc>
+                <a:tc>
+                  <a:txBody>
+                    <a:bodyPr/>
+                    <a:lstStyle/>
+                    <a:p>
+                      <a:pPr algn="ctr" fontAlgn="b"/>
+                      <a:r>
+                        <a:rPr lang="en-US" sz="1600" b="1" u="none" strike="noStrike">
+                          <a:effectLst/>
+                        </a:rPr>
+                        <a:t> </a:t>
+                      </a:r>
+                      <a:endParaRPr lang="en-US" sz="1600" b="1" i="0" u="none" strike="noStrike">
+                        <a:solidFill>
+                          <a:srgbClr val="000000"/>
+                        </a:solidFill>
+                        <a:effectLst/>
+                        <a:latin typeface="Calibri" panose="020F0502020204030204" pitchFamily="34" charset="0"/>
+                      </a:endParaRPr>
+                    </a:p>
+                  </a:txBody>
+                  <a:tcPr marL="10915" marR="10915" marT="10915" marB="0" anchor="b"/>
+                </a:tc>
+                <a:tc>
+                  <a:txBody>
+                    <a:bodyPr/>
+                    <a:lstStyle/>
+                    <a:p>
+                      <a:pPr algn="ctr" fontAlgn="b"/>
+                      <a:r>
+                        <a:rPr lang="en-US" sz="1600" b="1" u="none" strike="noStrike">
+                          <a:effectLst/>
+                        </a:rPr>
+                        <a:t>+</a:t>
+                      </a:r>
+                      <a:endParaRPr lang="en-US" sz="1600" b="1" i="0" u="none" strike="noStrike">
+                        <a:solidFill>
+                          <a:srgbClr val="006100"/>
+                        </a:solidFill>
+                        <a:effectLst/>
+                        <a:latin typeface="Calibri" panose="020F0502020204030204" pitchFamily="34" charset="0"/>
+                      </a:endParaRPr>
+                    </a:p>
+                  </a:txBody>
+                  <a:tcPr marL="10915" marR="10915" marT="10915" marB="0" anchor="b"/>
+                </a:tc>
+                <a:extLst>
+                  <a:ext uri="{0D108BD9-81ED-4DB2-BD59-A6C34878D82A}">
+                    <a16:rowId xmlns:a16="http://schemas.microsoft.com/office/drawing/2014/main" val="2613524684"/>
+                  </a:ext>
+                </a:extLst>
+              </a:tr>
+              <a:tr h="272865">
+                <a:tc>
+                  <a:txBody>
+                    <a:bodyPr/>
+                    <a:lstStyle/>
+                    <a:p>
+                      <a:pPr algn="ctr" fontAlgn="ctr"/>
+                      <a:r>
+                        <a:rPr lang="en-US" sz="1300" u="none" strike="noStrike">
+                          <a:effectLst/>
+                        </a:rPr>
+                        <a:t>Asian</a:t>
+                      </a:r>
+                      <a:endParaRPr lang="en-US" sz="1300" b="0" i="0" u="none" strike="noStrike">
+                        <a:solidFill>
+                          <a:srgbClr val="000000"/>
+                        </a:solidFill>
+                        <a:effectLst/>
+                        <a:latin typeface="Calibri" panose="020F0502020204030204" pitchFamily="34" charset="0"/>
+                      </a:endParaRPr>
+                    </a:p>
+                  </a:txBody>
+                  <a:tcPr marL="10915" marR="10915" marT="10915" marB="0" anchor="ctr"/>
+                </a:tc>
+                <a:tc>
+                  <a:txBody>
+                    <a:bodyPr/>
+                    <a:lstStyle/>
+                    <a:p>
+                      <a:pPr algn="ctr" fontAlgn="b"/>
+                      <a:r>
+                        <a:rPr lang="en-US" sz="1600" b="1" u="none" strike="noStrike" dirty="0">
+                          <a:effectLst/>
+                        </a:rPr>
+                        <a:t>+</a:t>
+                      </a:r>
+                      <a:endParaRPr lang="en-US" sz="1600" b="1" i="0" u="none" strike="noStrike" dirty="0">
+                        <a:solidFill>
+                          <a:srgbClr val="006100"/>
+                        </a:solidFill>
+                        <a:effectLst/>
+                        <a:latin typeface="Calibri" panose="020F0502020204030204" pitchFamily="34" charset="0"/>
+                      </a:endParaRPr>
+                    </a:p>
+                  </a:txBody>
+                  <a:tcPr marL="10915" marR="10915" marT="10915" marB="0" anchor="b"/>
+                </a:tc>
+                <a:tc>
+                  <a:txBody>
+                    <a:bodyPr/>
+                    <a:lstStyle/>
+                    <a:p>
+                      <a:pPr algn="ctr" fontAlgn="b"/>
+                      <a:r>
+                        <a:rPr lang="en-US" sz="1600" b="1" u="none" strike="noStrike" dirty="0">
+                          <a:effectLst/>
+                        </a:rPr>
+                        <a:t>+</a:t>
+                      </a:r>
+                      <a:endParaRPr lang="en-US" sz="1600" b="1" i="0" u="none" strike="noStrike" dirty="0">
+                        <a:solidFill>
+                          <a:srgbClr val="006100"/>
+                        </a:solidFill>
+                        <a:effectLst/>
+                        <a:latin typeface="Calibri" panose="020F0502020204030204" pitchFamily="34" charset="0"/>
+                      </a:endParaRPr>
+                    </a:p>
+                  </a:txBody>
+                  <a:tcPr marL="10915" marR="10915" marT="10915" marB="0" anchor="b"/>
+                </a:tc>
+                <a:tc>
+                  <a:txBody>
+                    <a:bodyPr/>
+                    <a:lstStyle/>
+                    <a:p>
+                      <a:pPr algn="ctr" fontAlgn="b"/>
+                      <a:r>
+                        <a:rPr lang="en-US" sz="1600" b="1" u="none" strike="noStrike" dirty="0">
+                          <a:effectLst/>
+                        </a:rPr>
+                        <a:t> </a:t>
+                      </a:r>
+                      <a:endParaRPr lang="en-US" sz="1600" b="1" i="0" u="none" strike="noStrike" dirty="0">
+                        <a:solidFill>
+                          <a:srgbClr val="000000"/>
+                        </a:solidFill>
+                        <a:effectLst/>
+                        <a:latin typeface="Calibri" panose="020F0502020204030204" pitchFamily="34" charset="0"/>
+                      </a:endParaRPr>
+                    </a:p>
+                  </a:txBody>
+                  <a:tcPr marL="10915" marR="10915" marT="10915" marB="0" anchor="b"/>
+                </a:tc>
+                <a:tc>
+                  <a:txBody>
+                    <a:bodyPr/>
+                    <a:lstStyle/>
+                    <a:p>
+                      <a:pPr algn="ctr" fontAlgn="b"/>
+                      <a:r>
+                        <a:rPr lang="en-US" sz="1600" b="1" u="none" strike="noStrike">
+                          <a:effectLst/>
+                        </a:rPr>
+                        <a:t> </a:t>
+                      </a:r>
+                      <a:endParaRPr lang="en-US" sz="1600" b="1" i="0" u="none" strike="noStrike">
+                        <a:solidFill>
+                          <a:srgbClr val="000000"/>
+                        </a:solidFill>
+                        <a:effectLst/>
+                        <a:latin typeface="Calibri" panose="020F0502020204030204" pitchFamily="34" charset="0"/>
+                      </a:endParaRPr>
+                    </a:p>
+                  </a:txBody>
+                  <a:tcPr marL="10915" marR="10915" marT="10915" marB="0" anchor="b"/>
+                </a:tc>
+                <a:tc>
+                  <a:txBody>
+                    <a:bodyPr/>
+                    <a:lstStyle/>
+                    <a:p>
+                      <a:pPr algn="ctr" fontAlgn="b"/>
+                      <a:r>
+                        <a:rPr lang="en-US" sz="1600" b="1" u="none" strike="noStrike">
+                          <a:effectLst/>
+                        </a:rPr>
+                        <a:t> </a:t>
+                      </a:r>
+                      <a:endParaRPr lang="en-US" sz="1600" b="1" i="0" u="none" strike="noStrike">
+                        <a:solidFill>
+                          <a:srgbClr val="000000"/>
+                        </a:solidFill>
+                        <a:effectLst/>
+                        <a:latin typeface="Calibri" panose="020F0502020204030204" pitchFamily="34" charset="0"/>
+                      </a:endParaRPr>
+                    </a:p>
+                  </a:txBody>
+                  <a:tcPr marL="10915" marR="10915" marT="10915" marB="0" anchor="b"/>
+                </a:tc>
+                <a:tc>
+                  <a:txBody>
+                    <a:bodyPr/>
+                    <a:lstStyle/>
+                    <a:p>
+                      <a:pPr algn="ctr" fontAlgn="b"/>
+                      <a:r>
+                        <a:rPr lang="en-US" sz="1600" b="1" u="none" strike="noStrike">
+                          <a:effectLst/>
+                        </a:rPr>
+                        <a:t> </a:t>
+                      </a:r>
+                      <a:endParaRPr lang="en-US" sz="1600" b="1" i="0" u="none" strike="noStrike">
+                        <a:solidFill>
+                          <a:srgbClr val="000000"/>
+                        </a:solidFill>
+                        <a:effectLst/>
+                        <a:latin typeface="Calibri" panose="020F0502020204030204" pitchFamily="34" charset="0"/>
+                      </a:endParaRPr>
+                    </a:p>
+                  </a:txBody>
+                  <a:tcPr marL="10915" marR="10915" marT="10915" marB="0" anchor="b"/>
+                </a:tc>
+                <a:tc>
+                  <a:txBody>
+                    <a:bodyPr/>
+                    <a:lstStyle/>
+                    <a:p>
+                      <a:pPr algn="ctr" fontAlgn="b"/>
+                      <a:r>
+                        <a:rPr lang="en-US" sz="1600" b="1" u="none" strike="noStrike">
+                          <a:effectLst/>
+                        </a:rPr>
+                        <a:t> </a:t>
+                      </a:r>
+                      <a:endParaRPr lang="en-US" sz="1600" b="1" i="0" u="none" strike="noStrike">
+                        <a:solidFill>
+                          <a:srgbClr val="000000"/>
+                        </a:solidFill>
+                        <a:effectLst/>
+                        <a:latin typeface="Calibri" panose="020F0502020204030204" pitchFamily="34" charset="0"/>
+                      </a:endParaRPr>
+                    </a:p>
+                  </a:txBody>
+                  <a:tcPr marL="10915" marR="10915" marT="10915" marB="0" anchor="b"/>
+                </a:tc>
+                <a:tc>
+                  <a:txBody>
+                    <a:bodyPr/>
+                    <a:lstStyle/>
+                    <a:p>
+                      <a:pPr algn="ctr" fontAlgn="b"/>
+                      <a:r>
+                        <a:rPr lang="en-US" sz="1600" b="1" u="none" strike="noStrike">
+                          <a:effectLst/>
+                        </a:rPr>
+                        <a:t> </a:t>
+                      </a:r>
+                      <a:endParaRPr lang="en-US" sz="1600" b="1" i="0" u="none" strike="noStrike">
+                        <a:solidFill>
+                          <a:srgbClr val="000000"/>
+                        </a:solidFill>
+                        <a:effectLst/>
+                        <a:latin typeface="Calibri" panose="020F0502020204030204" pitchFamily="34" charset="0"/>
+                      </a:endParaRPr>
+                    </a:p>
+                  </a:txBody>
+                  <a:tcPr marL="10915" marR="10915" marT="10915" marB="0" anchor="b"/>
+                </a:tc>
+                <a:tc>
+                  <a:txBody>
+                    <a:bodyPr/>
+                    <a:lstStyle/>
+                    <a:p>
+                      <a:pPr algn="ctr" fontAlgn="b"/>
+                      <a:r>
+                        <a:rPr lang="en-US" sz="1600" b="1" u="none" strike="noStrike">
+                          <a:effectLst/>
+                        </a:rPr>
+                        <a:t> </a:t>
+                      </a:r>
+                      <a:endParaRPr lang="en-US" sz="1600" b="1" i="0" u="none" strike="noStrike">
+                        <a:solidFill>
+                          <a:srgbClr val="000000"/>
+                        </a:solidFill>
+                        <a:effectLst/>
+                        <a:latin typeface="Calibri" panose="020F0502020204030204" pitchFamily="34" charset="0"/>
+                      </a:endParaRPr>
+                    </a:p>
+                  </a:txBody>
+                  <a:tcPr marL="10915" marR="10915" marT="10915" marB="0" anchor="b"/>
+                </a:tc>
+                <a:tc>
+                  <a:txBody>
+                    <a:bodyPr/>
+                    <a:lstStyle/>
+                    <a:p>
+                      <a:pPr algn="ctr" fontAlgn="b"/>
+                      <a:r>
+                        <a:rPr lang="en-US" sz="1600" b="1" u="none" strike="noStrike">
+                          <a:effectLst/>
+                        </a:rPr>
+                        <a:t>+</a:t>
+                      </a:r>
+                      <a:endParaRPr lang="en-US" sz="1600" b="1" i="0" u="none" strike="noStrike">
+                        <a:solidFill>
+                          <a:srgbClr val="006100"/>
+                        </a:solidFill>
+                        <a:effectLst/>
+                        <a:latin typeface="Calibri" panose="020F0502020204030204" pitchFamily="34" charset="0"/>
+                      </a:endParaRPr>
+                    </a:p>
+                  </a:txBody>
+                  <a:tcPr marL="10915" marR="10915" marT="10915" marB="0" anchor="b"/>
+                </a:tc>
+                <a:tc>
+                  <a:txBody>
+                    <a:bodyPr/>
+                    <a:lstStyle/>
+                    <a:p>
+                      <a:pPr algn="ctr" fontAlgn="b"/>
+                      <a:r>
+                        <a:rPr lang="en-US" sz="1600" b="1" u="none" strike="noStrike">
+                          <a:effectLst/>
+                        </a:rPr>
+                        <a:t> </a:t>
+                      </a:r>
+                      <a:endParaRPr lang="en-US" sz="1600" b="1" i="0" u="none" strike="noStrike">
+                        <a:solidFill>
+                          <a:srgbClr val="000000"/>
+                        </a:solidFill>
+                        <a:effectLst/>
+                        <a:latin typeface="Calibri" panose="020F0502020204030204" pitchFamily="34" charset="0"/>
+                      </a:endParaRPr>
+                    </a:p>
+                  </a:txBody>
+                  <a:tcPr marL="10915" marR="10915" marT="10915" marB="0" anchor="b"/>
+                </a:tc>
+                <a:tc>
+                  <a:txBody>
+                    <a:bodyPr/>
+                    <a:lstStyle/>
+                    <a:p>
+                      <a:pPr algn="ctr" fontAlgn="b"/>
+                      <a:r>
+                        <a:rPr lang="en-US" sz="1600" b="1" u="none" strike="noStrike">
+                          <a:effectLst/>
+                        </a:rPr>
+                        <a:t> </a:t>
+                      </a:r>
+                      <a:endParaRPr lang="en-US" sz="1600" b="1" i="0" u="none" strike="noStrike">
+                        <a:solidFill>
+                          <a:srgbClr val="000000"/>
+                        </a:solidFill>
+                        <a:effectLst/>
+                        <a:latin typeface="Calibri" panose="020F0502020204030204" pitchFamily="34" charset="0"/>
+                      </a:endParaRPr>
+                    </a:p>
+                  </a:txBody>
+                  <a:tcPr marL="10915" marR="10915" marT="10915" marB="0" anchor="b"/>
+                </a:tc>
+                <a:extLst>
+                  <a:ext uri="{0D108BD9-81ED-4DB2-BD59-A6C34878D82A}">
+                    <a16:rowId xmlns:a16="http://schemas.microsoft.com/office/drawing/2014/main" val="1339462861"/>
+                  </a:ext>
+                </a:extLst>
+              </a:tr>
+              <a:tr h="272865">
+                <a:tc>
+                  <a:txBody>
+                    <a:bodyPr/>
+                    <a:lstStyle/>
+                    <a:p>
+                      <a:pPr algn="ctr" fontAlgn="ctr"/>
+                      <a:r>
+                        <a:rPr lang="en-US" sz="1300" u="none" strike="noStrike">
+                          <a:effectLst/>
+                        </a:rPr>
+                        <a:t>Other</a:t>
+                      </a:r>
+                      <a:endParaRPr lang="en-US" sz="1300" b="0" i="0" u="none" strike="noStrike">
+                        <a:solidFill>
+                          <a:srgbClr val="000000"/>
+                        </a:solidFill>
+                        <a:effectLst/>
+                        <a:latin typeface="Calibri" panose="020F0502020204030204" pitchFamily="34" charset="0"/>
+                      </a:endParaRPr>
+                    </a:p>
+                  </a:txBody>
+                  <a:tcPr marL="10915" marR="10915" marT="10915" marB="0" anchor="ctr"/>
+                </a:tc>
+                <a:tc>
+                  <a:txBody>
+                    <a:bodyPr/>
+                    <a:lstStyle/>
+                    <a:p>
+                      <a:pPr algn="ctr" fontAlgn="b"/>
+                      <a:r>
+                        <a:rPr lang="en-US" sz="1600" b="1" u="none" strike="noStrike" dirty="0">
+                          <a:effectLst/>
+                        </a:rPr>
+                        <a:t>+</a:t>
+                      </a:r>
+                      <a:endParaRPr lang="en-US" sz="1600" b="1" i="0" u="none" strike="noStrike" dirty="0">
+                        <a:solidFill>
+                          <a:srgbClr val="006100"/>
+                        </a:solidFill>
+                        <a:effectLst/>
+                        <a:latin typeface="Calibri" panose="020F0502020204030204" pitchFamily="34" charset="0"/>
+                      </a:endParaRPr>
+                    </a:p>
+                  </a:txBody>
+                  <a:tcPr marL="10915" marR="10915" marT="10915" marB="0" anchor="b"/>
+                </a:tc>
+                <a:tc>
+                  <a:txBody>
+                    <a:bodyPr/>
+                    <a:lstStyle/>
+                    <a:p>
+                      <a:pPr algn="ctr" fontAlgn="b"/>
+                      <a:r>
+                        <a:rPr lang="en-US" sz="1600" b="1" u="none" strike="noStrike" dirty="0">
+                          <a:effectLst/>
+                        </a:rPr>
+                        <a:t> </a:t>
+                      </a:r>
+                      <a:endParaRPr lang="en-US" sz="1600" b="1" i="0" u="none" strike="noStrike" dirty="0">
+                        <a:solidFill>
+                          <a:srgbClr val="000000"/>
+                        </a:solidFill>
+                        <a:effectLst/>
+                        <a:latin typeface="Calibri" panose="020F0502020204030204" pitchFamily="34" charset="0"/>
+                      </a:endParaRPr>
+                    </a:p>
+                  </a:txBody>
+                  <a:tcPr marL="10915" marR="10915" marT="10915" marB="0" anchor="b"/>
+                </a:tc>
+                <a:tc>
+                  <a:txBody>
+                    <a:bodyPr/>
+                    <a:lstStyle/>
+                    <a:p>
+                      <a:pPr algn="ctr" fontAlgn="b"/>
+                      <a:r>
+                        <a:rPr lang="en-US" sz="1600" b="1" u="none" strike="noStrike" dirty="0">
+                          <a:effectLst/>
+                        </a:rPr>
+                        <a:t> </a:t>
+                      </a:r>
+                      <a:endParaRPr lang="en-US" sz="1600" b="1" i="0" u="none" strike="noStrike" dirty="0">
+                        <a:solidFill>
+                          <a:srgbClr val="000000"/>
+                        </a:solidFill>
+                        <a:effectLst/>
+                        <a:latin typeface="Calibri" panose="020F0502020204030204" pitchFamily="34" charset="0"/>
+                      </a:endParaRPr>
+                    </a:p>
+                  </a:txBody>
+                  <a:tcPr marL="10915" marR="10915" marT="10915" marB="0" anchor="b"/>
+                </a:tc>
+                <a:tc>
+                  <a:txBody>
+                    <a:bodyPr/>
+                    <a:lstStyle/>
+                    <a:p>
+                      <a:pPr algn="ctr" fontAlgn="b"/>
+                      <a:r>
+                        <a:rPr lang="en-US" sz="1600" b="1" u="none" strike="noStrike" dirty="0">
+                          <a:effectLst/>
+                        </a:rPr>
+                        <a:t> </a:t>
+                      </a:r>
+                      <a:endParaRPr lang="en-US" sz="1600" b="1" i="0" u="none" strike="noStrike" dirty="0">
+                        <a:solidFill>
+                          <a:srgbClr val="000000"/>
+                        </a:solidFill>
+                        <a:effectLst/>
+                        <a:latin typeface="Calibri" panose="020F0502020204030204" pitchFamily="34" charset="0"/>
+                      </a:endParaRPr>
+                    </a:p>
+                  </a:txBody>
+                  <a:tcPr marL="10915" marR="10915" marT="10915" marB="0" anchor="b"/>
+                </a:tc>
+                <a:tc>
+                  <a:txBody>
+                    <a:bodyPr/>
+                    <a:lstStyle/>
+                    <a:p>
+                      <a:pPr algn="ctr" fontAlgn="b"/>
+                      <a:r>
+                        <a:rPr lang="en-US" sz="1600" b="1" u="none" strike="noStrike">
+                          <a:effectLst/>
+                        </a:rPr>
+                        <a:t> </a:t>
+                      </a:r>
+                      <a:endParaRPr lang="en-US" sz="1600" b="1" i="0" u="none" strike="noStrike">
+                        <a:solidFill>
+                          <a:srgbClr val="000000"/>
+                        </a:solidFill>
+                        <a:effectLst/>
+                        <a:latin typeface="Calibri" panose="020F0502020204030204" pitchFamily="34" charset="0"/>
+                      </a:endParaRPr>
+                    </a:p>
+                  </a:txBody>
+                  <a:tcPr marL="10915" marR="10915" marT="10915" marB="0" anchor="b"/>
+                </a:tc>
+                <a:tc>
+                  <a:txBody>
+                    <a:bodyPr/>
+                    <a:lstStyle/>
+                    <a:p>
+                      <a:pPr algn="ctr" fontAlgn="b"/>
+                      <a:r>
+                        <a:rPr lang="en-US" sz="1600" b="1" u="none" strike="noStrike">
+                          <a:effectLst/>
+                        </a:rPr>
+                        <a:t> </a:t>
+                      </a:r>
+                      <a:endParaRPr lang="en-US" sz="1600" b="1" i="0" u="none" strike="noStrike">
+                        <a:solidFill>
+                          <a:srgbClr val="000000"/>
+                        </a:solidFill>
+                        <a:effectLst/>
+                        <a:latin typeface="Calibri" panose="020F0502020204030204" pitchFamily="34" charset="0"/>
+                      </a:endParaRPr>
+                    </a:p>
+                  </a:txBody>
+                  <a:tcPr marL="10915" marR="10915" marT="10915" marB="0" anchor="b"/>
+                </a:tc>
+                <a:tc>
+                  <a:txBody>
+                    <a:bodyPr/>
+                    <a:lstStyle/>
+                    <a:p>
+                      <a:pPr algn="ctr" fontAlgn="b"/>
+                      <a:r>
+                        <a:rPr lang="en-US" sz="1600" b="1" u="none" strike="noStrike">
+                          <a:effectLst/>
+                        </a:rPr>
+                        <a:t> </a:t>
+                      </a:r>
+                      <a:endParaRPr lang="en-US" sz="1600" b="1" i="0" u="none" strike="noStrike">
+                        <a:solidFill>
+                          <a:srgbClr val="000000"/>
+                        </a:solidFill>
+                        <a:effectLst/>
+                        <a:latin typeface="Calibri" panose="020F0502020204030204" pitchFamily="34" charset="0"/>
+                      </a:endParaRPr>
+                    </a:p>
+                  </a:txBody>
+                  <a:tcPr marL="10915" marR="10915" marT="10915" marB="0" anchor="b"/>
+                </a:tc>
+                <a:tc>
+                  <a:txBody>
+                    <a:bodyPr/>
+                    <a:lstStyle/>
+                    <a:p>
+                      <a:pPr algn="ctr" fontAlgn="b"/>
+                      <a:r>
+                        <a:rPr lang="en-US" sz="1600" b="1" u="none" strike="noStrike">
+                          <a:effectLst/>
+                        </a:rPr>
+                        <a:t> </a:t>
+                      </a:r>
+                      <a:endParaRPr lang="en-US" sz="1600" b="1" i="0" u="none" strike="noStrike">
+                        <a:solidFill>
+                          <a:srgbClr val="000000"/>
+                        </a:solidFill>
+                        <a:effectLst/>
+                        <a:latin typeface="Calibri" panose="020F0502020204030204" pitchFamily="34" charset="0"/>
+                      </a:endParaRPr>
+                    </a:p>
+                  </a:txBody>
+                  <a:tcPr marL="10915" marR="10915" marT="10915" marB="0" anchor="b"/>
+                </a:tc>
+                <a:tc>
+                  <a:txBody>
+                    <a:bodyPr/>
+                    <a:lstStyle/>
+                    <a:p>
+                      <a:pPr algn="ctr" fontAlgn="b"/>
+                      <a:r>
+                        <a:rPr lang="en-US" sz="1600" b="1" u="none" strike="noStrike">
+                          <a:effectLst/>
+                        </a:rPr>
+                        <a:t> </a:t>
+                      </a:r>
+                      <a:endParaRPr lang="en-US" sz="1600" b="1" i="0" u="none" strike="noStrike">
+                        <a:solidFill>
+                          <a:srgbClr val="000000"/>
+                        </a:solidFill>
+                        <a:effectLst/>
+                        <a:latin typeface="Calibri" panose="020F0502020204030204" pitchFamily="34" charset="0"/>
+                      </a:endParaRPr>
+                    </a:p>
+                  </a:txBody>
+                  <a:tcPr marL="10915" marR="10915" marT="10915" marB="0" anchor="b"/>
+                </a:tc>
+                <a:tc>
+                  <a:txBody>
+                    <a:bodyPr/>
+                    <a:lstStyle/>
+                    <a:p>
+                      <a:pPr algn="ctr" fontAlgn="b"/>
+                      <a:r>
+                        <a:rPr lang="en-US" sz="1600" b="1" u="none" strike="noStrike">
+                          <a:effectLst/>
+                        </a:rPr>
+                        <a:t>+</a:t>
+                      </a:r>
+                      <a:endParaRPr lang="en-US" sz="1600" b="1" i="0" u="none" strike="noStrike">
+                        <a:solidFill>
+                          <a:srgbClr val="006100"/>
+                        </a:solidFill>
+                        <a:effectLst/>
+                        <a:latin typeface="Calibri" panose="020F0502020204030204" pitchFamily="34" charset="0"/>
+                      </a:endParaRPr>
+                    </a:p>
+                  </a:txBody>
+                  <a:tcPr marL="10915" marR="10915" marT="10915" marB="0" anchor="b"/>
+                </a:tc>
+                <a:tc>
+                  <a:txBody>
+                    <a:bodyPr/>
+                    <a:lstStyle/>
+                    <a:p>
+                      <a:pPr algn="ctr" fontAlgn="b"/>
+                      <a:r>
+                        <a:rPr lang="en-US" sz="1600" b="1" u="none" strike="noStrike">
+                          <a:effectLst/>
+                        </a:rPr>
+                        <a:t> </a:t>
+                      </a:r>
+                      <a:endParaRPr lang="en-US" sz="1600" b="1" i="0" u="none" strike="noStrike">
+                        <a:solidFill>
+                          <a:srgbClr val="000000"/>
+                        </a:solidFill>
+                        <a:effectLst/>
+                        <a:latin typeface="Calibri" panose="020F0502020204030204" pitchFamily="34" charset="0"/>
+                      </a:endParaRPr>
+                    </a:p>
+                  </a:txBody>
+                  <a:tcPr marL="10915" marR="10915" marT="10915" marB="0" anchor="b"/>
+                </a:tc>
+                <a:tc>
+                  <a:txBody>
+                    <a:bodyPr/>
+                    <a:lstStyle/>
+                    <a:p>
+                      <a:pPr algn="ctr" fontAlgn="b"/>
+                      <a:r>
+                        <a:rPr lang="en-US" sz="1600" b="1" u="none" strike="noStrike">
+                          <a:effectLst/>
+                        </a:rPr>
+                        <a:t>+</a:t>
+                      </a:r>
+                      <a:endParaRPr lang="en-US" sz="1600" b="1" i="0" u="none" strike="noStrike">
+                        <a:solidFill>
+                          <a:srgbClr val="006100"/>
+                        </a:solidFill>
+                        <a:effectLst/>
+                        <a:latin typeface="Calibri" panose="020F0502020204030204" pitchFamily="34" charset="0"/>
+                      </a:endParaRPr>
+                    </a:p>
+                  </a:txBody>
+                  <a:tcPr marL="10915" marR="10915" marT="10915" marB="0" anchor="b"/>
+                </a:tc>
+                <a:extLst>
+                  <a:ext uri="{0D108BD9-81ED-4DB2-BD59-A6C34878D82A}">
+                    <a16:rowId xmlns:a16="http://schemas.microsoft.com/office/drawing/2014/main" val="1058297950"/>
+                  </a:ext>
+                </a:extLst>
+              </a:tr>
+              <a:tr h="272865">
+                <a:tc>
+                  <a:txBody>
+                    <a:bodyPr/>
+                    <a:lstStyle/>
+                    <a:p>
+                      <a:pPr algn="ctr" fontAlgn="ctr"/>
+                      <a:r>
+                        <a:rPr lang="en-US" sz="1300" u="none" strike="noStrike">
+                          <a:effectLst/>
+                        </a:rPr>
+                        <a:t>Women</a:t>
+                      </a:r>
+                      <a:endParaRPr lang="en-US" sz="1300" b="0" i="0" u="none" strike="noStrike">
+                        <a:solidFill>
+                          <a:srgbClr val="000000"/>
+                        </a:solidFill>
+                        <a:effectLst/>
+                        <a:latin typeface="Calibri" panose="020F0502020204030204" pitchFamily="34" charset="0"/>
+                      </a:endParaRPr>
+                    </a:p>
+                  </a:txBody>
+                  <a:tcPr marL="10915" marR="10915" marT="10915" marB="0" anchor="ctr"/>
+                </a:tc>
+                <a:tc>
+                  <a:txBody>
+                    <a:bodyPr/>
+                    <a:lstStyle/>
+                    <a:p>
+                      <a:pPr algn="ctr" fontAlgn="b"/>
+                      <a:r>
+                        <a:rPr lang="en-US" sz="1600" b="1" u="none" strike="noStrike">
+                          <a:effectLst/>
+                        </a:rPr>
+                        <a:t>+</a:t>
+                      </a:r>
+                      <a:endParaRPr lang="en-US" sz="1600" b="1" i="0" u="none" strike="noStrike">
+                        <a:solidFill>
+                          <a:srgbClr val="006100"/>
+                        </a:solidFill>
+                        <a:effectLst/>
+                        <a:latin typeface="Calibri" panose="020F0502020204030204" pitchFamily="34" charset="0"/>
+                      </a:endParaRPr>
+                    </a:p>
+                  </a:txBody>
+                  <a:tcPr marL="10915" marR="10915" marT="10915" marB="0" anchor="b"/>
+                </a:tc>
+                <a:tc>
+                  <a:txBody>
+                    <a:bodyPr/>
+                    <a:lstStyle/>
+                    <a:p>
+                      <a:pPr algn="ctr" fontAlgn="b"/>
+                      <a:r>
+                        <a:rPr lang="en-US" sz="1600" b="1" u="none" strike="noStrike" dirty="0">
+                          <a:effectLst/>
+                        </a:rPr>
+                        <a:t>+</a:t>
+                      </a:r>
+                      <a:endParaRPr lang="en-US" sz="1600" b="1" i="0" u="none" strike="noStrike" dirty="0">
+                        <a:solidFill>
+                          <a:srgbClr val="006100"/>
+                        </a:solidFill>
+                        <a:effectLst/>
+                        <a:latin typeface="Calibri" panose="020F0502020204030204" pitchFamily="34" charset="0"/>
+                      </a:endParaRPr>
+                    </a:p>
+                  </a:txBody>
+                  <a:tcPr marL="10915" marR="10915" marT="10915" marB="0" anchor="b"/>
+                </a:tc>
+                <a:tc>
+                  <a:txBody>
+                    <a:bodyPr/>
+                    <a:lstStyle/>
+                    <a:p>
+                      <a:pPr algn="ctr" fontAlgn="b"/>
+                      <a:r>
+                        <a:rPr lang="en-US" sz="1600" b="1" u="none" strike="noStrike" dirty="0">
+                          <a:effectLst/>
+                        </a:rPr>
+                        <a:t> </a:t>
+                      </a:r>
+                      <a:endParaRPr lang="en-US" sz="1600" b="1" i="0" u="none" strike="noStrike" dirty="0">
+                        <a:solidFill>
+                          <a:srgbClr val="000000"/>
+                        </a:solidFill>
+                        <a:effectLst/>
+                        <a:latin typeface="Calibri" panose="020F0502020204030204" pitchFamily="34" charset="0"/>
+                      </a:endParaRPr>
+                    </a:p>
+                  </a:txBody>
+                  <a:tcPr marL="10915" marR="10915" marT="10915" marB="0" anchor="b"/>
+                </a:tc>
+                <a:tc>
+                  <a:txBody>
+                    <a:bodyPr/>
+                    <a:lstStyle/>
+                    <a:p>
+                      <a:pPr algn="ctr" fontAlgn="b"/>
+                      <a:r>
+                        <a:rPr lang="en-US" sz="1600" b="1" u="none" strike="noStrike">
+                          <a:effectLst/>
+                        </a:rPr>
+                        <a:t> </a:t>
+                      </a:r>
+                      <a:endParaRPr lang="en-US" sz="1600" b="1" i="0" u="none" strike="noStrike">
+                        <a:solidFill>
+                          <a:srgbClr val="000000"/>
+                        </a:solidFill>
+                        <a:effectLst/>
+                        <a:latin typeface="Calibri" panose="020F0502020204030204" pitchFamily="34" charset="0"/>
+                      </a:endParaRPr>
+                    </a:p>
+                  </a:txBody>
+                  <a:tcPr marL="10915" marR="10915" marT="10915" marB="0" anchor="b"/>
+                </a:tc>
+                <a:tc>
+                  <a:txBody>
+                    <a:bodyPr/>
+                    <a:lstStyle/>
+                    <a:p>
+                      <a:pPr algn="ctr" fontAlgn="b"/>
+                      <a:r>
+                        <a:rPr lang="en-US" sz="1600" b="1" u="none" strike="noStrike" dirty="0">
+                          <a:effectLst/>
+                        </a:rPr>
+                        <a:t> </a:t>
+                      </a:r>
+                      <a:endParaRPr lang="en-US" sz="1600" b="1" i="0" u="none" strike="noStrike" dirty="0">
+                        <a:solidFill>
+                          <a:srgbClr val="000000"/>
+                        </a:solidFill>
+                        <a:effectLst/>
+                        <a:latin typeface="Calibri" panose="020F0502020204030204" pitchFamily="34" charset="0"/>
+                      </a:endParaRPr>
+                    </a:p>
+                  </a:txBody>
+                  <a:tcPr marL="10915" marR="10915" marT="10915" marB="0" anchor="b"/>
+                </a:tc>
+                <a:tc>
+                  <a:txBody>
+                    <a:bodyPr/>
+                    <a:lstStyle/>
+                    <a:p>
+                      <a:pPr algn="ctr" fontAlgn="b"/>
+                      <a:r>
+                        <a:rPr lang="en-US" sz="1600" b="1" u="none" strike="noStrike">
+                          <a:effectLst/>
+                        </a:rPr>
+                        <a:t> </a:t>
+                      </a:r>
+                      <a:endParaRPr lang="en-US" sz="1600" b="1" i="0" u="none" strike="noStrike">
+                        <a:solidFill>
+                          <a:srgbClr val="000000"/>
+                        </a:solidFill>
+                        <a:effectLst/>
+                        <a:latin typeface="Calibri" panose="020F0502020204030204" pitchFamily="34" charset="0"/>
+                      </a:endParaRPr>
+                    </a:p>
+                  </a:txBody>
+                  <a:tcPr marL="10915" marR="10915" marT="10915" marB="0" anchor="b"/>
+                </a:tc>
+                <a:tc>
+                  <a:txBody>
+                    <a:bodyPr/>
+                    <a:lstStyle/>
+                    <a:p>
+                      <a:pPr algn="ctr" fontAlgn="b"/>
+                      <a:r>
+                        <a:rPr lang="en-US" sz="1600" b="1" u="none" strike="noStrike">
+                          <a:effectLst/>
+                        </a:rPr>
+                        <a:t> </a:t>
+                      </a:r>
+                      <a:endParaRPr lang="en-US" sz="1600" b="1" i="0" u="none" strike="noStrike">
+                        <a:solidFill>
+                          <a:srgbClr val="000000"/>
+                        </a:solidFill>
+                        <a:effectLst/>
+                        <a:latin typeface="Calibri" panose="020F0502020204030204" pitchFamily="34" charset="0"/>
+                      </a:endParaRPr>
+                    </a:p>
+                  </a:txBody>
+                  <a:tcPr marL="10915" marR="10915" marT="10915" marB="0" anchor="b"/>
+                </a:tc>
+                <a:tc>
+                  <a:txBody>
+                    <a:bodyPr/>
+                    <a:lstStyle/>
+                    <a:p>
+                      <a:pPr algn="ctr" fontAlgn="b"/>
+                      <a:r>
+                        <a:rPr lang="en-US" sz="1600" b="1" u="none" strike="noStrike">
+                          <a:effectLst/>
+                        </a:rPr>
+                        <a:t> </a:t>
+                      </a:r>
+                      <a:endParaRPr lang="en-US" sz="1600" b="1" i="0" u="none" strike="noStrike">
+                        <a:solidFill>
+                          <a:srgbClr val="000000"/>
+                        </a:solidFill>
+                        <a:effectLst/>
+                        <a:latin typeface="Calibri" panose="020F0502020204030204" pitchFamily="34" charset="0"/>
+                      </a:endParaRPr>
+                    </a:p>
+                  </a:txBody>
+                  <a:tcPr marL="10915" marR="10915" marT="10915" marB="0" anchor="b"/>
+                </a:tc>
+                <a:tc>
+                  <a:txBody>
+                    <a:bodyPr/>
+                    <a:lstStyle/>
+                    <a:p>
+                      <a:pPr algn="ctr" fontAlgn="b"/>
+                      <a:r>
+                        <a:rPr lang="en-US" sz="1600" b="1" u="none" strike="noStrike">
+                          <a:effectLst/>
+                        </a:rPr>
+                        <a:t> </a:t>
+                      </a:r>
+                      <a:endParaRPr lang="en-US" sz="1600" b="1" i="0" u="none" strike="noStrike">
+                        <a:solidFill>
+                          <a:srgbClr val="000000"/>
+                        </a:solidFill>
+                        <a:effectLst/>
+                        <a:latin typeface="Calibri" panose="020F0502020204030204" pitchFamily="34" charset="0"/>
+                      </a:endParaRPr>
+                    </a:p>
+                  </a:txBody>
+                  <a:tcPr marL="10915" marR="10915" marT="10915" marB="0" anchor="b"/>
+                </a:tc>
+                <a:tc>
+                  <a:txBody>
+                    <a:bodyPr/>
+                    <a:lstStyle/>
+                    <a:p>
+                      <a:pPr algn="ctr" fontAlgn="b"/>
+                      <a:r>
+                        <a:rPr lang="en-US" sz="1600" b="1" u="none" strike="noStrike">
+                          <a:effectLst/>
+                        </a:rPr>
+                        <a:t>+</a:t>
+                      </a:r>
+                      <a:endParaRPr lang="en-US" sz="1600" b="1" i="0" u="none" strike="noStrike">
+                        <a:solidFill>
+                          <a:srgbClr val="006100"/>
+                        </a:solidFill>
+                        <a:effectLst/>
+                        <a:latin typeface="Calibri" panose="020F0502020204030204" pitchFamily="34" charset="0"/>
+                      </a:endParaRPr>
+                    </a:p>
+                  </a:txBody>
+                  <a:tcPr marL="10915" marR="10915" marT="10915" marB="0" anchor="b"/>
+                </a:tc>
+                <a:tc>
+                  <a:txBody>
+                    <a:bodyPr/>
+                    <a:lstStyle/>
+                    <a:p>
+                      <a:pPr algn="ctr" fontAlgn="b"/>
+                      <a:r>
+                        <a:rPr lang="en-US" sz="1600" b="1" u="none" strike="noStrike">
+                          <a:effectLst/>
+                        </a:rPr>
+                        <a:t> </a:t>
+                      </a:r>
+                      <a:endParaRPr lang="en-US" sz="1600" b="1" i="0" u="none" strike="noStrike">
+                        <a:solidFill>
+                          <a:srgbClr val="000000"/>
+                        </a:solidFill>
+                        <a:effectLst/>
+                        <a:latin typeface="Calibri" panose="020F0502020204030204" pitchFamily="34" charset="0"/>
+                      </a:endParaRPr>
+                    </a:p>
+                  </a:txBody>
+                  <a:tcPr marL="10915" marR="10915" marT="10915" marB="0" anchor="b"/>
+                </a:tc>
+                <a:tc>
+                  <a:txBody>
+                    <a:bodyPr/>
+                    <a:lstStyle/>
+                    <a:p>
+                      <a:pPr algn="ctr" fontAlgn="b"/>
+                      <a:r>
+                        <a:rPr lang="en-US" sz="1600" b="1" u="none" strike="noStrike">
+                          <a:effectLst/>
+                        </a:rPr>
+                        <a:t>+</a:t>
+                      </a:r>
+                      <a:endParaRPr lang="en-US" sz="1600" b="1" i="0" u="none" strike="noStrike">
+                        <a:solidFill>
+                          <a:srgbClr val="006100"/>
+                        </a:solidFill>
+                        <a:effectLst/>
+                        <a:latin typeface="Calibri" panose="020F0502020204030204" pitchFamily="34" charset="0"/>
+                      </a:endParaRPr>
+                    </a:p>
+                  </a:txBody>
+                  <a:tcPr marL="10915" marR="10915" marT="10915" marB="0" anchor="b"/>
+                </a:tc>
+                <a:extLst>
+                  <a:ext uri="{0D108BD9-81ED-4DB2-BD59-A6C34878D82A}">
+                    <a16:rowId xmlns:a16="http://schemas.microsoft.com/office/drawing/2014/main" val="771619408"/>
+                  </a:ext>
+                </a:extLst>
+              </a:tr>
+              <a:tr h="272865">
+                <a:tc>
+                  <a:txBody>
+                    <a:bodyPr/>
+                    <a:lstStyle/>
+                    <a:p>
+                      <a:pPr algn="ctr" fontAlgn="ctr"/>
+                      <a:r>
+                        <a:rPr lang="en-US" sz="1300" u="none" strike="noStrike">
+                          <a:effectLst/>
+                        </a:rPr>
+                        <a:t>Men</a:t>
+                      </a:r>
+                      <a:endParaRPr lang="en-US" sz="1300" b="0" i="0" u="none" strike="noStrike">
+                        <a:solidFill>
+                          <a:srgbClr val="000000"/>
+                        </a:solidFill>
+                        <a:effectLst/>
+                        <a:latin typeface="Calibri" panose="020F0502020204030204" pitchFamily="34" charset="0"/>
+                      </a:endParaRPr>
+                    </a:p>
+                  </a:txBody>
+                  <a:tcPr marL="10915" marR="10915" marT="10915" marB="0" anchor="ctr"/>
+                </a:tc>
+                <a:tc>
+                  <a:txBody>
+                    <a:bodyPr/>
+                    <a:lstStyle/>
+                    <a:p>
+                      <a:pPr algn="ctr" fontAlgn="b"/>
+                      <a:r>
+                        <a:rPr lang="en-US" sz="1600" b="1" u="none" strike="noStrike">
+                          <a:effectLst/>
+                        </a:rPr>
+                        <a:t>+</a:t>
+                      </a:r>
+                      <a:endParaRPr lang="en-US" sz="1600" b="1" i="0" u="none" strike="noStrike">
+                        <a:solidFill>
+                          <a:srgbClr val="006100"/>
+                        </a:solidFill>
+                        <a:effectLst/>
+                        <a:latin typeface="Calibri" panose="020F0502020204030204" pitchFamily="34" charset="0"/>
+                      </a:endParaRPr>
+                    </a:p>
+                  </a:txBody>
+                  <a:tcPr marL="10915" marR="10915" marT="10915" marB="0" anchor="b"/>
+                </a:tc>
+                <a:tc>
+                  <a:txBody>
+                    <a:bodyPr/>
+                    <a:lstStyle/>
+                    <a:p>
+                      <a:pPr algn="ctr" fontAlgn="b"/>
+                      <a:r>
+                        <a:rPr lang="en-US" sz="1600" b="1" u="none" strike="noStrike">
+                          <a:effectLst/>
+                        </a:rPr>
+                        <a:t> </a:t>
+                      </a:r>
+                      <a:endParaRPr lang="en-US" sz="1600" b="1" i="0" u="none" strike="noStrike">
+                        <a:solidFill>
+                          <a:srgbClr val="000000"/>
+                        </a:solidFill>
+                        <a:effectLst/>
+                        <a:latin typeface="Calibri" panose="020F0502020204030204" pitchFamily="34" charset="0"/>
+                      </a:endParaRPr>
+                    </a:p>
+                  </a:txBody>
+                  <a:tcPr marL="10915" marR="10915" marT="10915" marB="0" anchor="b"/>
+                </a:tc>
+                <a:tc>
+                  <a:txBody>
+                    <a:bodyPr/>
+                    <a:lstStyle/>
+                    <a:p>
+                      <a:pPr algn="ctr" fontAlgn="b"/>
+                      <a:r>
+                        <a:rPr lang="en-US" sz="1600" b="1" u="none" strike="noStrike" dirty="0">
+                          <a:effectLst/>
+                        </a:rPr>
+                        <a:t> </a:t>
+                      </a:r>
+                      <a:endParaRPr lang="en-US" sz="1600" b="1" i="0" u="none" strike="noStrike" dirty="0">
+                        <a:solidFill>
+                          <a:srgbClr val="000000"/>
+                        </a:solidFill>
+                        <a:effectLst/>
+                        <a:latin typeface="Calibri" panose="020F0502020204030204" pitchFamily="34" charset="0"/>
+                      </a:endParaRPr>
+                    </a:p>
+                  </a:txBody>
+                  <a:tcPr marL="10915" marR="10915" marT="10915" marB="0" anchor="b"/>
+                </a:tc>
+                <a:tc>
+                  <a:txBody>
+                    <a:bodyPr/>
+                    <a:lstStyle/>
+                    <a:p>
+                      <a:pPr algn="ctr" fontAlgn="b"/>
+                      <a:r>
+                        <a:rPr lang="en-US" sz="1600" b="1" u="none" strike="noStrike" dirty="0">
+                          <a:effectLst/>
+                        </a:rPr>
+                        <a:t>-</a:t>
+                      </a:r>
+                      <a:endParaRPr lang="en-US" sz="1600" b="1" i="0" u="none" strike="noStrike" dirty="0">
+                        <a:solidFill>
+                          <a:srgbClr val="9C0006"/>
+                        </a:solidFill>
+                        <a:effectLst/>
+                        <a:latin typeface="Calibri" panose="020F0502020204030204" pitchFamily="34" charset="0"/>
+                      </a:endParaRPr>
+                    </a:p>
+                  </a:txBody>
+                  <a:tcPr marL="10915" marR="10915" marT="10915" marB="0" anchor="b"/>
+                </a:tc>
+                <a:tc>
+                  <a:txBody>
+                    <a:bodyPr/>
+                    <a:lstStyle/>
+                    <a:p>
+                      <a:pPr algn="ctr" fontAlgn="b"/>
+                      <a:r>
+                        <a:rPr lang="en-US" sz="1600" b="1" u="none" strike="noStrike" dirty="0">
+                          <a:effectLst/>
+                        </a:rPr>
+                        <a:t> </a:t>
+                      </a:r>
+                      <a:endParaRPr lang="en-US" sz="1600" b="1" i="0" u="none" strike="noStrike" dirty="0">
+                        <a:solidFill>
+                          <a:srgbClr val="000000"/>
+                        </a:solidFill>
+                        <a:effectLst/>
+                        <a:latin typeface="Calibri" panose="020F0502020204030204" pitchFamily="34" charset="0"/>
+                      </a:endParaRPr>
+                    </a:p>
+                  </a:txBody>
+                  <a:tcPr marL="10915" marR="10915" marT="10915" marB="0" anchor="b"/>
+                </a:tc>
+                <a:tc>
+                  <a:txBody>
+                    <a:bodyPr/>
+                    <a:lstStyle/>
+                    <a:p>
+                      <a:pPr algn="ctr" fontAlgn="b"/>
+                      <a:r>
+                        <a:rPr lang="en-US" sz="1600" b="1" u="none" strike="noStrike" dirty="0">
+                          <a:effectLst/>
+                        </a:rPr>
+                        <a:t> </a:t>
+                      </a:r>
+                      <a:endParaRPr lang="en-US" sz="1600" b="1" i="0" u="none" strike="noStrike" dirty="0">
+                        <a:solidFill>
+                          <a:srgbClr val="000000"/>
+                        </a:solidFill>
+                        <a:effectLst/>
+                        <a:latin typeface="Calibri" panose="020F0502020204030204" pitchFamily="34" charset="0"/>
+                      </a:endParaRPr>
+                    </a:p>
+                  </a:txBody>
+                  <a:tcPr marL="10915" marR="10915" marT="10915" marB="0" anchor="b"/>
+                </a:tc>
+                <a:tc>
+                  <a:txBody>
+                    <a:bodyPr/>
+                    <a:lstStyle/>
+                    <a:p>
+                      <a:pPr algn="ctr" fontAlgn="b"/>
+                      <a:r>
+                        <a:rPr lang="en-US" sz="1600" b="1" u="none" strike="noStrike">
+                          <a:effectLst/>
+                        </a:rPr>
+                        <a:t> </a:t>
+                      </a:r>
+                      <a:endParaRPr lang="en-US" sz="1600" b="1" i="0" u="none" strike="noStrike">
+                        <a:solidFill>
+                          <a:srgbClr val="000000"/>
+                        </a:solidFill>
+                        <a:effectLst/>
+                        <a:latin typeface="Calibri" panose="020F0502020204030204" pitchFamily="34" charset="0"/>
+                      </a:endParaRPr>
+                    </a:p>
+                  </a:txBody>
+                  <a:tcPr marL="10915" marR="10915" marT="10915" marB="0" anchor="b"/>
+                </a:tc>
+                <a:tc>
+                  <a:txBody>
+                    <a:bodyPr/>
+                    <a:lstStyle/>
+                    <a:p>
+                      <a:pPr algn="ctr" fontAlgn="b"/>
+                      <a:r>
+                        <a:rPr lang="en-US" sz="1600" b="1" u="none" strike="noStrike">
+                          <a:effectLst/>
+                        </a:rPr>
+                        <a:t> </a:t>
+                      </a:r>
+                      <a:endParaRPr lang="en-US" sz="1600" b="1" i="0" u="none" strike="noStrike">
+                        <a:solidFill>
+                          <a:srgbClr val="000000"/>
+                        </a:solidFill>
+                        <a:effectLst/>
+                        <a:latin typeface="Calibri" panose="020F0502020204030204" pitchFamily="34" charset="0"/>
+                      </a:endParaRPr>
+                    </a:p>
+                  </a:txBody>
+                  <a:tcPr marL="10915" marR="10915" marT="10915" marB="0" anchor="b"/>
+                </a:tc>
+                <a:tc>
+                  <a:txBody>
+                    <a:bodyPr/>
+                    <a:lstStyle/>
+                    <a:p>
+                      <a:pPr algn="ctr" fontAlgn="b"/>
+                      <a:r>
+                        <a:rPr lang="en-US" sz="1600" b="1" u="none" strike="noStrike">
+                          <a:effectLst/>
+                        </a:rPr>
+                        <a:t> </a:t>
+                      </a:r>
+                      <a:endParaRPr lang="en-US" sz="1600" b="1" i="0" u="none" strike="noStrike">
+                        <a:solidFill>
+                          <a:srgbClr val="000000"/>
+                        </a:solidFill>
+                        <a:effectLst/>
+                        <a:latin typeface="Calibri" panose="020F0502020204030204" pitchFamily="34" charset="0"/>
+                      </a:endParaRPr>
+                    </a:p>
+                  </a:txBody>
+                  <a:tcPr marL="10915" marR="10915" marT="10915" marB="0" anchor="b"/>
+                </a:tc>
+                <a:tc>
+                  <a:txBody>
+                    <a:bodyPr/>
+                    <a:lstStyle/>
+                    <a:p>
+                      <a:pPr algn="ctr" fontAlgn="b"/>
+                      <a:r>
+                        <a:rPr lang="en-US" sz="1600" b="1" u="none" strike="noStrike">
+                          <a:effectLst/>
+                        </a:rPr>
+                        <a:t>+</a:t>
+                      </a:r>
+                      <a:endParaRPr lang="en-US" sz="1600" b="1" i="0" u="none" strike="noStrike">
+                        <a:solidFill>
+                          <a:srgbClr val="006100"/>
+                        </a:solidFill>
+                        <a:effectLst/>
+                        <a:latin typeface="Calibri" panose="020F0502020204030204" pitchFamily="34" charset="0"/>
+                      </a:endParaRPr>
+                    </a:p>
+                  </a:txBody>
+                  <a:tcPr marL="10915" marR="10915" marT="10915" marB="0" anchor="b"/>
+                </a:tc>
+                <a:tc>
+                  <a:txBody>
+                    <a:bodyPr/>
+                    <a:lstStyle/>
+                    <a:p>
+                      <a:pPr algn="ctr" fontAlgn="b"/>
+                      <a:r>
+                        <a:rPr lang="en-US" sz="1600" b="1" u="none" strike="noStrike">
+                          <a:effectLst/>
+                        </a:rPr>
+                        <a:t> </a:t>
+                      </a:r>
+                      <a:endParaRPr lang="en-US" sz="1600" b="1" i="0" u="none" strike="noStrike">
+                        <a:solidFill>
+                          <a:srgbClr val="000000"/>
+                        </a:solidFill>
+                        <a:effectLst/>
+                        <a:latin typeface="Calibri" panose="020F0502020204030204" pitchFamily="34" charset="0"/>
+                      </a:endParaRPr>
+                    </a:p>
+                  </a:txBody>
+                  <a:tcPr marL="10915" marR="10915" marT="10915" marB="0" anchor="b"/>
+                </a:tc>
+                <a:tc>
+                  <a:txBody>
+                    <a:bodyPr/>
+                    <a:lstStyle/>
+                    <a:p>
+                      <a:pPr algn="ctr" fontAlgn="b"/>
+                      <a:r>
+                        <a:rPr lang="en-US" sz="1600" b="1" u="none" strike="noStrike">
+                          <a:effectLst/>
+                        </a:rPr>
+                        <a:t>+</a:t>
+                      </a:r>
+                      <a:endParaRPr lang="en-US" sz="1600" b="1" i="0" u="none" strike="noStrike">
+                        <a:solidFill>
+                          <a:srgbClr val="006100"/>
+                        </a:solidFill>
+                        <a:effectLst/>
+                        <a:latin typeface="Calibri" panose="020F0502020204030204" pitchFamily="34" charset="0"/>
+                      </a:endParaRPr>
+                    </a:p>
+                  </a:txBody>
+                  <a:tcPr marL="10915" marR="10915" marT="10915" marB="0" anchor="b"/>
+                </a:tc>
+                <a:extLst>
+                  <a:ext uri="{0D108BD9-81ED-4DB2-BD59-A6C34878D82A}">
+                    <a16:rowId xmlns:a16="http://schemas.microsoft.com/office/drawing/2014/main" val="3874510719"/>
+                  </a:ext>
+                </a:extLst>
+              </a:tr>
+              <a:tr h="396995">
+                <a:tc>
+                  <a:txBody>
+                    <a:bodyPr/>
+                    <a:lstStyle/>
+                    <a:p>
+                      <a:pPr algn="ctr" fontAlgn="ctr"/>
+                      <a:r>
+                        <a:rPr lang="en-US" sz="1300" u="none" strike="noStrike">
+                          <a:effectLst/>
+                        </a:rPr>
+                        <a:t>Experienced Students</a:t>
+                      </a:r>
+                      <a:endParaRPr lang="en-US" sz="1300" b="0" i="0" u="none" strike="noStrike">
+                        <a:solidFill>
+                          <a:srgbClr val="000000"/>
+                        </a:solidFill>
+                        <a:effectLst/>
+                        <a:latin typeface="Calibri" panose="020F0502020204030204" pitchFamily="34" charset="0"/>
+                      </a:endParaRPr>
+                    </a:p>
+                  </a:txBody>
+                  <a:tcPr marL="10915" marR="10915" marT="10915" marB="0" anchor="ctr"/>
+                </a:tc>
+                <a:tc>
+                  <a:txBody>
+                    <a:bodyPr/>
+                    <a:lstStyle/>
+                    <a:p>
+                      <a:pPr algn="ctr" fontAlgn="b"/>
+                      <a:r>
+                        <a:rPr lang="en-US" sz="1600" b="1" u="none" strike="noStrike">
+                          <a:effectLst/>
+                        </a:rPr>
+                        <a:t>+</a:t>
+                      </a:r>
+                      <a:endParaRPr lang="en-US" sz="1600" b="1" i="0" u="none" strike="noStrike">
+                        <a:solidFill>
+                          <a:srgbClr val="006100"/>
+                        </a:solidFill>
+                        <a:effectLst/>
+                        <a:latin typeface="Calibri" panose="020F0502020204030204" pitchFamily="34" charset="0"/>
+                      </a:endParaRPr>
+                    </a:p>
+                  </a:txBody>
+                  <a:tcPr marL="10915" marR="10915" marT="10915" marB="0" anchor="b"/>
+                </a:tc>
+                <a:tc>
+                  <a:txBody>
+                    <a:bodyPr/>
+                    <a:lstStyle/>
+                    <a:p>
+                      <a:pPr algn="ctr" fontAlgn="b"/>
+                      <a:r>
+                        <a:rPr lang="en-US" sz="1600" b="1" u="none" strike="noStrike">
+                          <a:effectLst/>
+                        </a:rPr>
+                        <a:t> </a:t>
+                      </a:r>
+                      <a:endParaRPr lang="en-US" sz="1600" b="1" i="0" u="none" strike="noStrike">
+                        <a:solidFill>
+                          <a:srgbClr val="000000"/>
+                        </a:solidFill>
+                        <a:effectLst/>
+                        <a:latin typeface="Calibri" panose="020F0502020204030204" pitchFamily="34" charset="0"/>
+                      </a:endParaRPr>
+                    </a:p>
+                  </a:txBody>
+                  <a:tcPr marL="10915" marR="10915" marT="10915" marB="0" anchor="b"/>
+                </a:tc>
+                <a:tc>
+                  <a:txBody>
+                    <a:bodyPr/>
+                    <a:lstStyle/>
+                    <a:p>
+                      <a:pPr algn="ctr" fontAlgn="b"/>
+                      <a:r>
+                        <a:rPr lang="en-US" sz="1600" b="1" u="none" strike="noStrike">
+                          <a:effectLst/>
+                        </a:rPr>
+                        <a:t> </a:t>
+                      </a:r>
+                      <a:endParaRPr lang="en-US" sz="1600" b="1" i="0" u="none" strike="noStrike">
+                        <a:solidFill>
+                          <a:srgbClr val="000000"/>
+                        </a:solidFill>
+                        <a:effectLst/>
+                        <a:latin typeface="Calibri" panose="020F0502020204030204" pitchFamily="34" charset="0"/>
+                      </a:endParaRPr>
+                    </a:p>
+                  </a:txBody>
+                  <a:tcPr marL="10915" marR="10915" marT="10915" marB="0" anchor="b"/>
+                </a:tc>
+                <a:tc>
+                  <a:txBody>
+                    <a:bodyPr/>
+                    <a:lstStyle/>
+                    <a:p>
+                      <a:pPr algn="ctr" fontAlgn="b"/>
+                      <a:r>
+                        <a:rPr lang="en-US" sz="1600" b="1" u="none" strike="noStrike" dirty="0">
+                          <a:effectLst/>
+                        </a:rPr>
+                        <a:t> </a:t>
+                      </a:r>
+                      <a:endParaRPr lang="en-US" sz="1600" b="1" i="0" u="none" strike="noStrike" dirty="0">
+                        <a:solidFill>
+                          <a:srgbClr val="000000"/>
+                        </a:solidFill>
+                        <a:effectLst/>
+                        <a:latin typeface="Calibri" panose="020F0502020204030204" pitchFamily="34" charset="0"/>
+                      </a:endParaRPr>
+                    </a:p>
+                  </a:txBody>
+                  <a:tcPr marL="10915" marR="10915" marT="10915" marB="0" anchor="b"/>
+                </a:tc>
+                <a:tc>
+                  <a:txBody>
+                    <a:bodyPr/>
+                    <a:lstStyle/>
+                    <a:p>
+                      <a:pPr algn="ctr" fontAlgn="b"/>
+                      <a:r>
+                        <a:rPr lang="en-US" sz="1600" b="1" u="none" strike="noStrike" dirty="0">
+                          <a:effectLst/>
+                        </a:rPr>
+                        <a:t>+</a:t>
+                      </a:r>
+                      <a:endParaRPr lang="en-US" sz="1600" b="1" i="0" u="none" strike="noStrike" dirty="0">
+                        <a:solidFill>
+                          <a:srgbClr val="006100"/>
+                        </a:solidFill>
+                        <a:effectLst/>
+                        <a:latin typeface="Calibri" panose="020F0502020204030204" pitchFamily="34" charset="0"/>
+                      </a:endParaRPr>
+                    </a:p>
+                  </a:txBody>
+                  <a:tcPr marL="10915" marR="10915" marT="10915" marB="0" anchor="b"/>
+                </a:tc>
+                <a:tc>
+                  <a:txBody>
+                    <a:bodyPr/>
+                    <a:lstStyle/>
+                    <a:p>
+                      <a:pPr algn="ctr" fontAlgn="b"/>
+                      <a:r>
+                        <a:rPr lang="en-US" sz="1600" b="1" u="none" strike="noStrike">
+                          <a:effectLst/>
+                        </a:rPr>
+                        <a:t> </a:t>
+                      </a:r>
+                      <a:endParaRPr lang="en-US" sz="1600" b="1" i="0" u="none" strike="noStrike">
+                        <a:solidFill>
+                          <a:srgbClr val="000000"/>
+                        </a:solidFill>
+                        <a:effectLst/>
+                        <a:latin typeface="Calibri" panose="020F0502020204030204" pitchFamily="34" charset="0"/>
+                      </a:endParaRPr>
+                    </a:p>
+                  </a:txBody>
+                  <a:tcPr marL="10915" marR="10915" marT="10915" marB="0" anchor="b"/>
+                </a:tc>
+                <a:tc>
+                  <a:txBody>
+                    <a:bodyPr/>
+                    <a:lstStyle/>
+                    <a:p>
+                      <a:pPr algn="ctr" fontAlgn="b"/>
+                      <a:r>
+                        <a:rPr lang="en-US" sz="1600" b="1" u="none" strike="noStrike" dirty="0">
+                          <a:effectLst/>
+                        </a:rPr>
+                        <a:t> </a:t>
+                      </a:r>
+                      <a:endParaRPr lang="en-US" sz="1600" b="1" i="0" u="none" strike="noStrike" dirty="0">
+                        <a:solidFill>
+                          <a:srgbClr val="000000"/>
+                        </a:solidFill>
+                        <a:effectLst/>
+                        <a:latin typeface="Calibri" panose="020F0502020204030204" pitchFamily="34" charset="0"/>
+                      </a:endParaRPr>
+                    </a:p>
+                  </a:txBody>
+                  <a:tcPr marL="10915" marR="10915" marT="10915" marB="0" anchor="b"/>
+                </a:tc>
+                <a:tc>
+                  <a:txBody>
+                    <a:bodyPr/>
+                    <a:lstStyle/>
+                    <a:p>
+                      <a:pPr algn="ctr" fontAlgn="b"/>
+                      <a:r>
+                        <a:rPr lang="en-US" sz="1600" b="1" u="none" strike="noStrike">
+                          <a:effectLst/>
+                        </a:rPr>
+                        <a:t> </a:t>
+                      </a:r>
+                      <a:endParaRPr lang="en-US" sz="1600" b="1" i="0" u="none" strike="noStrike">
+                        <a:solidFill>
+                          <a:srgbClr val="000000"/>
+                        </a:solidFill>
+                        <a:effectLst/>
+                        <a:latin typeface="Calibri" panose="020F0502020204030204" pitchFamily="34" charset="0"/>
+                      </a:endParaRPr>
+                    </a:p>
+                  </a:txBody>
+                  <a:tcPr marL="10915" marR="10915" marT="10915" marB="0" anchor="b"/>
+                </a:tc>
+                <a:tc>
+                  <a:txBody>
+                    <a:bodyPr/>
+                    <a:lstStyle/>
+                    <a:p>
+                      <a:pPr algn="ctr" fontAlgn="b"/>
+                      <a:r>
+                        <a:rPr lang="en-US" sz="1600" b="1" u="none" strike="noStrike">
+                          <a:effectLst/>
+                        </a:rPr>
+                        <a:t> </a:t>
+                      </a:r>
+                      <a:endParaRPr lang="en-US" sz="1600" b="1" i="0" u="none" strike="noStrike">
+                        <a:solidFill>
+                          <a:srgbClr val="000000"/>
+                        </a:solidFill>
+                        <a:effectLst/>
+                        <a:latin typeface="Calibri" panose="020F0502020204030204" pitchFamily="34" charset="0"/>
+                      </a:endParaRPr>
+                    </a:p>
+                  </a:txBody>
+                  <a:tcPr marL="10915" marR="10915" marT="10915" marB="0" anchor="b"/>
+                </a:tc>
+                <a:tc>
+                  <a:txBody>
+                    <a:bodyPr/>
+                    <a:lstStyle/>
+                    <a:p>
+                      <a:pPr algn="ctr" fontAlgn="b"/>
+                      <a:r>
+                        <a:rPr lang="en-US" sz="1600" b="1" u="none" strike="noStrike">
+                          <a:effectLst/>
+                        </a:rPr>
+                        <a:t>+</a:t>
+                      </a:r>
+                      <a:endParaRPr lang="en-US" sz="1600" b="1" i="0" u="none" strike="noStrike">
+                        <a:solidFill>
+                          <a:srgbClr val="006100"/>
+                        </a:solidFill>
+                        <a:effectLst/>
+                        <a:latin typeface="Calibri" panose="020F0502020204030204" pitchFamily="34" charset="0"/>
+                      </a:endParaRPr>
+                    </a:p>
+                  </a:txBody>
+                  <a:tcPr marL="10915" marR="10915" marT="10915" marB="0" anchor="b"/>
+                </a:tc>
+                <a:tc>
+                  <a:txBody>
+                    <a:bodyPr/>
+                    <a:lstStyle/>
+                    <a:p>
+                      <a:pPr algn="ctr" fontAlgn="b"/>
+                      <a:r>
+                        <a:rPr lang="en-US" sz="1600" b="1" u="none" strike="noStrike">
+                          <a:effectLst/>
+                        </a:rPr>
+                        <a:t> </a:t>
+                      </a:r>
+                      <a:endParaRPr lang="en-US" sz="1600" b="1" i="0" u="none" strike="noStrike">
+                        <a:solidFill>
+                          <a:srgbClr val="000000"/>
+                        </a:solidFill>
+                        <a:effectLst/>
+                        <a:latin typeface="Calibri" panose="020F0502020204030204" pitchFamily="34" charset="0"/>
+                      </a:endParaRPr>
+                    </a:p>
+                  </a:txBody>
+                  <a:tcPr marL="10915" marR="10915" marT="10915" marB="0" anchor="b"/>
+                </a:tc>
+                <a:tc>
+                  <a:txBody>
+                    <a:bodyPr/>
+                    <a:lstStyle/>
+                    <a:p>
+                      <a:pPr algn="ctr" fontAlgn="b"/>
+                      <a:r>
+                        <a:rPr lang="en-US" sz="1600" b="1" u="none" strike="noStrike">
+                          <a:effectLst/>
+                        </a:rPr>
+                        <a:t>+</a:t>
+                      </a:r>
+                      <a:endParaRPr lang="en-US" sz="1600" b="1" i="0" u="none" strike="noStrike">
+                        <a:solidFill>
+                          <a:srgbClr val="006100"/>
+                        </a:solidFill>
+                        <a:effectLst/>
+                        <a:latin typeface="Calibri" panose="020F0502020204030204" pitchFamily="34" charset="0"/>
+                      </a:endParaRPr>
+                    </a:p>
+                  </a:txBody>
+                  <a:tcPr marL="10915" marR="10915" marT="10915" marB="0" anchor="b"/>
+                </a:tc>
+                <a:extLst>
+                  <a:ext uri="{0D108BD9-81ED-4DB2-BD59-A6C34878D82A}">
+                    <a16:rowId xmlns:a16="http://schemas.microsoft.com/office/drawing/2014/main" val="4265211922"/>
+                  </a:ext>
+                </a:extLst>
+              </a:tr>
+              <a:tr h="272865">
+                <a:tc>
+                  <a:txBody>
+                    <a:bodyPr/>
+                    <a:lstStyle/>
+                    <a:p>
+                      <a:pPr algn="ctr" fontAlgn="ctr"/>
+                      <a:r>
+                        <a:rPr lang="en-US" sz="1300" u="none" strike="noStrike" dirty="0" smtClean="0">
+                          <a:effectLst/>
+                        </a:rPr>
+                        <a:t>Unexperienced </a:t>
+                      </a:r>
+                      <a:r>
+                        <a:rPr lang="en-US" sz="1300" u="none" strike="noStrike" dirty="0">
+                          <a:effectLst/>
+                        </a:rPr>
+                        <a:t>Students</a:t>
+                      </a:r>
+                      <a:endParaRPr lang="en-US" sz="1300" b="0" i="0" u="none" strike="noStrike" dirty="0">
+                        <a:solidFill>
+                          <a:srgbClr val="000000"/>
+                        </a:solidFill>
+                        <a:effectLst/>
+                        <a:latin typeface="Calibri" panose="020F0502020204030204" pitchFamily="34" charset="0"/>
+                      </a:endParaRPr>
+                    </a:p>
+                  </a:txBody>
+                  <a:tcPr marL="10915" marR="10915" marT="10915" marB="0" anchor="ctr"/>
+                </a:tc>
+                <a:tc>
+                  <a:txBody>
+                    <a:bodyPr/>
+                    <a:lstStyle/>
+                    <a:p>
+                      <a:pPr algn="ctr" fontAlgn="b"/>
+                      <a:r>
+                        <a:rPr lang="en-US" sz="1600" b="1" u="none" strike="noStrike">
+                          <a:effectLst/>
+                        </a:rPr>
+                        <a:t>+</a:t>
+                      </a:r>
+                      <a:endParaRPr lang="en-US" sz="1600" b="1" i="0" u="none" strike="noStrike">
+                        <a:solidFill>
+                          <a:srgbClr val="006100"/>
+                        </a:solidFill>
+                        <a:effectLst/>
+                        <a:latin typeface="Calibri" panose="020F0502020204030204" pitchFamily="34" charset="0"/>
+                      </a:endParaRPr>
+                    </a:p>
+                  </a:txBody>
+                  <a:tcPr marL="10915" marR="10915" marT="10915" marB="0" anchor="b"/>
+                </a:tc>
+                <a:tc>
+                  <a:txBody>
+                    <a:bodyPr/>
+                    <a:lstStyle/>
+                    <a:p>
+                      <a:pPr algn="ctr" fontAlgn="b"/>
+                      <a:r>
+                        <a:rPr lang="en-US" sz="1600" b="1" u="none" strike="noStrike">
+                          <a:effectLst/>
+                        </a:rPr>
+                        <a:t> </a:t>
+                      </a:r>
+                      <a:endParaRPr lang="en-US" sz="1600" b="1" i="0" u="none" strike="noStrike">
+                        <a:solidFill>
+                          <a:srgbClr val="000000"/>
+                        </a:solidFill>
+                        <a:effectLst/>
+                        <a:latin typeface="Calibri" panose="020F0502020204030204" pitchFamily="34" charset="0"/>
+                      </a:endParaRPr>
+                    </a:p>
+                  </a:txBody>
+                  <a:tcPr marL="10915" marR="10915" marT="10915" marB="0" anchor="b"/>
+                </a:tc>
+                <a:tc>
+                  <a:txBody>
+                    <a:bodyPr/>
+                    <a:lstStyle/>
+                    <a:p>
+                      <a:pPr algn="ctr" fontAlgn="b"/>
+                      <a:r>
+                        <a:rPr lang="en-US" sz="1600" b="1" u="none" strike="noStrike">
+                          <a:effectLst/>
+                        </a:rPr>
+                        <a:t> </a:t>
+                      </a:r>
+                      <a:endParaRPr lang="en-US" sz="1600" b="1" i="0" u="none" strike="noStrike">
+                        <a:solidFill>
+                          <a:srgbClr val="000000"/>
+                        </a:solidFill>
+                        <a:effectLst/>
+                        <a:latin typeface="Calibri" panose="020F0502020204030204" pitchFamily="34" charset="0"/>
+                      </a:endParaRPr>
+                    </a:p>
+                  </a:txBody>
+                  <a:tcPr marL="10915" marR="10915" marT="10915" marB="0" anchor="b"/>
+                </a:tc>
+                <a:tc>
+                  <a:txBody>
+                    <a:bodyPr/>
+                    <a:lstStyle/>
+                    <a:p>
+                      <a:pPr algn="ctr" fontAlgn="b"/>
+                      <a:r>
+                        <a:rPr lang="en-US" sz="1600" b="1" u="none" strike="noStrike">
+                          <a:effectLst/>
+                        </a:rPr>
+                        <a:t>-</a:t>
+                      </a:r>
+                      <a:endParaRPr lang="en-US" sz="1600" b="1" i="0" u="none" strike="noStrike">
+                        <a:solidFill>
+                          <a:srgbClr val="9C0006"/>
+                        </a:solidFill>
+                        <a:effectLst/>
+                        <a:latin typeface="Calibri" panose="020F0502020204030204" pitchFamily="34" charset="0"/>
+                      </a:endParaRPr>
+                    </a:p>
+                  </a:txBody>
+                  <a:tcPr marL="10915" marR="10915" marT="10915" marB="0" anchor="b"/>
+                </a:tc>
+                <a:tc>
+                  <a:txBody>
+                    <a:bodyPr/>
+                    <a:lstStyle/>
+                    <a:p>
+                      <a:pPr algn="ctr" fontAlgn="b"/>
+                      <a:r>
+                        <a:rPr lang="en-US" sz="1600" b="1" u="none" strike="noStrike" dirty="0">
+                          <a:effectLst/>
+                        </a:rPr>
+                        <a:t> </a:t>
+                      </a:r>
+                      <a:endParaRPr lang="en-US" sz="1600" b="1" i="0" u="none" strike="noStrike" dirty="0">
+                        <a:solidFill>
+                          <a:srgbClr val="000000"/>
+                        </a:solidFill>
+                        <a:effectLst/>
+                        <a:latin typeface="Calibri" panose="020F0502020204030204" pitchFamily="34" charset="0"/>
+                      </a:endParaRPr>
+                    </a:p>
+                  </a:txBody>
+                  <a:tcPr marL="10915" marR="10915" marT="10915" marB="0" anchor="b"/>
+                </a:tc>
+                <a:tc>
+                  <a:txBody>
+                    <a:bodyPr/>
+                    <a:lstStyle/>
+                    <a:p>
+                      <a:pPr algn="ctr" fontAlgn="b"/>
+                      <a:r>
+                        <a:rPr lang="en-US" sz="1600" b="1" u="none" strike="noStrike" dirty="0">
+                          <a:effectLst/>
+                        </a:rPr>
+                        <a:t> </a:t>
+                      </a:r>
+                      <a:endParaRPr lang="en-US" sz="1600" b="1" i="0" u="none" strike="noStrike" dirty="0">
+                        <a:solidFill>
+                          <a:srgbClr val="000000"/>
+                        </a:solidFill>
+                        <a:effectLst/>
+                        <a:latin typeface="Calibri" panose="020F0502020204030204" pitchFamily="34" charset="0"/>
+                      </a:endParaRPr>
+                    </a:p>
+                  </a:txBody>
+                  <a:tcPr marL="10915" marR="10915" marT="10915" marB="0" anchor="b"/>
+                </a:tc>
+                <a:tc>
+                  <a:txBody>
+                    <a:bodyPr/>
+                    <a:lstStyle/>
+                    <a:p>
+                      <a:pPr algn="ctr" fontAlgn="b"/>
+                      <a:r>
+                        <a:rPr lang="en-US" sz="1600" b="1" u="none" strike="noStrike" dirty="0">
+                          <a:effectLst/>
+                        </a:rPr>
+                        <a:t> </a:t>
+                      </a:r>
+                      <a:endParaRPr lang="en-US" sz="1600" b="1" i="0" u="none" strike="noStrike" dirty="0">
+                        <a:solidFill>
+                          <a:srgbClr val="000000"/>
+                        </a:solidFill>
+                        <a:effectLst/>
+                        <a:latin typeface="Calibri" panose="020F0502020204030204" pitchFamily="34" charset="0"/>
+                      </a:endParaRPr>
+                    </a:p>
+                  </a:txBody>
+                  <a:tcPr marL="10915" marR="10915" marT="10915" marB="0" anchor="b"/>
+                </a:tc>
+                <a:tc>
+                  <a:txBody>
+                    <a:bodyPr/>
+                    <a:lstStyle/>
+                    <a:p>
+                      <a:pPr algn="ctr" fontAlgn="b"/>
+                      <a:r>
+                        <a:rPr lang="en-US" sz="1600" b="1" u="none" strike="noStrike" dirty="0">
+                          <a:effectLst/>
+                        </a:rPr>
+                        <a:t> </a:t>
+                      </a:r>
+                      <a:endParaRPr lang="en-US" sz="1600" b="1" i="0" u="none" strike="noStrike" dirty="0">
+                        <a:solidFill>
+                          <a:srgbClr val="000000"/>
+                        </a:solidFill>
+                        <a:effectLst/>
+                        <a:latin typeface="Calibri" panose="020F0502020204030204" pitchFamily="34" charset="0"/>
+                      </a:endParaRPr>
+                    </a:p>
+                  </a:txBody>
+                  <a:tcPr marL="10915" marR="10915" marT="10915" marB="0" anchor="b"/>
+                </a:tc>
+                <a:tc>
+                  <a:txBody>
+                    <a:bodyPr/>
+                    <a:lstStyle/>
+                    <a:p>
+                      <a:pPr algn="ctr" fontAlgn="b"/>
+                      <a:r>
+                        <a:rPr lang="en-US" sz="1600" b="1" u="none" strike="noStrike" dirty="0">
+                          <a:effectLst/>
+                        </a:rPr>
+                        <a:t> </a:t>
+                      </a:r>
+                      <a:endParaRPr lang="en-US" sz="1600" b="1" i="0" u="none" strike="noStrike" dirty="0">
+                        <a:solidFill>
+                          <a:srgbClr val="000000"/>
+                        </a:solidFill>
+                        <a:effectLst/>
+                        <a:latin typeface="Calibri" panose="020F0502020204030204" pitchFamily="34" charset="0"/>
+                      </a:endParaRPr>
+                    </a:p>
+                  </a:txBody>
+                  <a:tcPr marL="10915" marR="10915" marT="10915" marB="0" anchor="b"/>
+                </a:tc>
+                <a:tc>
+                  <a:txBody>
+                    <a:bodyPr/>
+                    <a:lstStyle/>
+                    <a:p>
+                      <a:pPr algn="ctr" fontAlgn="b"/>
+                      <a:r>
+                        <a:rPr lang="en-US" sz="1600" b="1" u="none" strike="noStrike">
+                          <a:effectLst/>
+                        </a:rPr>
+                        <a:t> </a:t>
+                      </a:r>
+                      <a:endParaRPr lang="en-US" sz="1600" b="1" i="0" u="none" strike="noStrike">
+                        <a:solidFill>
+                          <a:srgbClr val="000000"/>
+                        </a:solidFill>
+                        <a:effectLst/>
+                        <a:latin typeface="Calibri" panose="020F0502020204030204" pitchFamily="34" charset="0"/>
+                      </a:endParaRPr>
+                    </a:p>
+                  </a:txBody>
+                  <a:tcPr marL="10915" marR="10915" marT="10915" marB="0" anchor="b"/>
+                </a:tc>
+                <a:tc>
+                  <a:txBody>
+                    <a:bodyPr/>
+                    <a:lstStyle/>
+                    <a:p>
+                      <a:pPr algn="ctr" fontAlgn="b"/>
+                      <a:r>
+                        <a:rPr lang="en-US" sz="1600" b="1" u="none" strike="noStrike">
+                          <a:effectLst/>
+                        </a:rPr>
+                        <a:t> </a:t>
+                      </a:r>
+                      <a:endParaRPr lang="en-US" sz="1600" b="1" i="0" u="none" strike="noStrike">
+                        <a:solidFill>
+                          <a:srgbClr val="000000"/>
+                        </a:solidFill>
+                        <a:effectLst/>
+                        <a:latin typeface="Calibri" panose="020F0502020204030204" pitchFamily="34" charset="0"/>
+                      </a:endParaRPr>
+                    </a:p>
+                  </a:txBody>
+                  <a:tcPr marL="10915" marR="10915" marT="10915" marB="0" anchor="b"/>
+                </a:tc>
+                <a:tc>
+                  <a:txBody>
+                    <a:bodyPr/>
+                    <a:lstStyle/>
+                    <a:p>
+                      <a:pPr algn="ctr" fontAlgn="b"/>
+                      <a:r>
+                        <a:rPr lang="en-US" sz="1600" b="1" u="none" strike="noStrike">
+                          <a:effectLst/>
+                        </a:rPr>
+                        <a:t> </a:t>
+                      </a:r>
+                      <a:endParaRPr lang="en-US" sz="1600" b="1" i="0" u="none" strike="noStrike">
+                        <a:solidFill>
+                          <a:srgbClr val="000000"/>
+                        </a:solidFill>
+                        <a:effectLst/>
+                        <a:latin typeface="Calibri" panose="020F0502020204030204" pitchFamily="34" charset="0"/>
+                      </a:endParaRPr>
+                    </a:p>
+                  </a:txBody>
+                  <a:tcPr marL="10915" marR="10915" marT="10915" marB="0" anchor="b"/>
+                </a:tc>
+                <a:extLst>
+                  <a:ext uri="{0D108BD9-81ED-4DB2-BD59-A6C34878D82A}">
+                    <a16:rowId xmlns:a16="http://schemas.microsoft.com/office/drawing/2014/main" val="66295971"/>
+                  </a:ext>
+                </a:extLst>
+              </a:tr>
+              <a:tr h="272865">
+                <a:tc>
+                  <a:txBody>
+                    <a:bodyPr/>
+                    <a:lstStyle/>
+                    <a:p>
+                      <a:pPr algn="ctr" fontAlgn="ctr"/>
+                      <a:r>
+                        <a:rPr lang="en-US" sz="1300" u="none" strike="noStrike">
+                          <a:effectLst/>
+                        </a:rPr>
+                        <a:t>First Attempt</a:t>
+                      </a:r>
+                      <a:endParaRPr lang="en-US" sz="1300" b="0" i="0" u="none" strike="noStrike">
+                        <a:solidFill>
+                          <a:srgbClr val="000000"/>
+                        </a:solidFill>
+                        <a:effectLst/>
+                        <a:latin typeface="Calibri" panose="020F0502020204030204" pitchFamily="34" charset="0"/>
+                      </a:endParaRPr>
+                    </a:p>
+                  </a:txBody>
+                  <a:tcPr marL="10915" marR="10915" marT="10915" marB="0" anchor="ctr"/>
+                </a:tc>
+                <a:tc>
+                  <a:txBody>
+                    <a:bodyPr/>
+                    <a:lstStyle/>
+                    <a:p>
+                      <a:pPr algn="ctr" fontAlgn="b"/>
+                      <a:r>
+                        <a:rPr lang="en-US" sz="1600" b="1" u="none" strike="noStrike">
+                          <a:effectLst/>
+                        </a:rPr>
+                        <a:t>+</a:t>
+                      </a:r>
+                      <a:endParaRPr lang="en-US" sz="1600" b="1" i="0" u="none" strike="noStrike">
+                        <a:solidFill>
+                          <a:srgbClr val="006100"/>
+                        </a:solidFill>
+                        <a:effectLst/>
+                        <a:latin typeface="Calibri" panose="020F0502020204030204" pitchFamily="34" charset="0"/>
+                      </a:endParaRPr>
+                    </a:p>
+                  </a:txBody>
+                  <a:tcPr marL="10915" marR="10915" marT="10915" marB="0" anchor="b"/>
+                </a:tc>
+                <a:tc>
+                  <a:txBody>
+                    <a:bodyPr/>
+                    <a:lstStyle/>
+                    <a:p>
+                      <a:pPr algn="ctr" fontAlgn="b"/>
+                      <a:r>
+                        <a:rPr lang="en-US" sz="1600" b="1" u="none" strike="noStrike">
+                          <a:effectLst/>
+                        </a:rPr>
+                        <a:t> </a:t>
+                      </a:r>
+                      <a:endParaRPr lang="en-US" sz="1600" b="1" i="0" u="none" strike="noStrike">
+                        <a:solidFill>
+                          <a:srgbClr val="000000"/>
+                        </a:solidFill>
+                        <a:effectLst/>
+                        <a:latin typeface="Calibri" panose="020F0502020204030204" pitchFamily="34" charset="0"/>
+                      </a:endParaRPr>
+                    </a:p>
+                  </a:txBody>
+                  <a:tcPr marL="10915" marR="10915" marT="10915" marB="0" anchor="b"/>
+                </a:tc>
+                <a:tc>
+                  <a:txBody>
+                    <a:bodyPr/>
+                    <a:lstStyle/>
+                    <a:p>
+                      <a:pPr algn="ctr" fontAlgn="b"/>
+                      <a:r>
+                        <a:rPr lang="en-US" sz="1600" b="1" u="none" strike="noStrike">
+                          <a:effectLst/>
+                        </a:rPr>
+                        <a:t> </a:t>
+                      </a:r>
+                      <a:endParaRPr lang="en-US" sz="1600" b="1" i="0" u="none" strike="noStrike">
+                        <a:solidFill>
+                          <a:srgbClr val="000000"/>
+                        </a:solidFill>
+                        <a:effectLst/>
+                        <a:latin typeface="Calibri" panose="020F0502020204030204" pitchFamily="34" charset="0"/>
+                      </a:endParaRPr>
+                    </a:p>
+                  </a:txBody>
+                  <a:tcPr marL="10915" marR="10915" marT="10915" marB="0" anchor="b"/>
+                </a:tc>
+                <a:tc>
+                  <a:txBody>
+                    <a:bodyPr/>
+                    <a:lstStyle/>
+                    <a:p>
+                      <a:pPr algn="ctr" fontAlgn="b"/>
+                      <a:r>
+                        <a:rPr lang="en-US" sz="1600" b="1" u="none" strike="noStrike">
+                          <a:effectLst/>
+                        </a:rPr>
+                        <a:t>-</a:t>
+                      </a:r>
+                      <a:endParaRPr lang="en-US" sz="1600" b="1" i="0" u="none" strike="noStrike">
+                        <a:solidFill>
+                          <a:srgbClr val="9C0006"/>
+                        </a:solidFill>
+                        <a:effectLst/>
+                        <a:latin typeface="Calibri" panose="020F0502020204030204" pitchFamily="34" charset="0"/>
+                      </a:endParaRPr>
+                    </a:p>
+                  </a:txBody>
+                  <a:tcPr marL="10915" marR="10915" marT="10915" marB="0" anchor="b"/>
+                </a:tc>
+                <a:tc>
+                  <a:txBody>
+                    <a:bodyPr/>
+                    <a:lstStyle/>
+                    <a:p>
+                      <a:pPr algn="ctr" fontAlgn="b"/>
+                      <a:r>
+                        <a:rPr lang="en-US" sz="1600" b="1" u="none" strike="noStrike">
+                          <a:effectLst/>
+                        </a:rPr>
+                        <a:t> </a:t>
+                      </a:r>
+                      <a:endParaRPr lang="en-US" sz="1600" b="1" i="0" u="none" strike="noStrike">
+                        <a:solidFill>
+                          <a:srgbClr val="000000"/>
+                        </a:solidFill>
+                        <a:effectLst/>
+                        <a:latin typeface="Calibri" panose="020F0502020204030204" pitchFamily="34" charset="0"/>
+                      </a:endParaRPr>
+                    </a:p>
+                  </a:txBody>
+                  <a:tcPr marL="10915" marR="10915" marT="10915" marB="0" anchor="b"/>
+                </a:tc>
+                <a:tc>
+                  <a:txBody>
+                    <a:bodyPr/>
+                    <a:lstStyle/>
+                    <a:p>
+                      <a:pPr algn="ctr" fontAlgn="b"/>
+                      <a:r>
+                        <a:rPr lang="en-US" sz="1600" b="1" u="none" strike="noStrike" dirty="0">
+                          <a:effectLst/>
+                        </a:rPr>
+                        <a:t> </a:t>
+                      </a:r>
+                      <a:endParaRPr lang="en-US" sz="1600" b="1" i="0" u="none" strike="noStrike" dirty="0">
+                        <a:solidFill>
+                          <a:srgbClr val="000000"/>
+                        </a:solidFill>
+                        <a:effectLst/>
+                        <a:latin typeface="Calibri" panose="020F0502020204030204" pitchFamily="34" charset="0"/>
+                      </a:endParaRPr>
+                    </a:p>
+                  </a:txBody>
+                  <a:tcPr marL="10915" marR="10915" marT="10915" marB="0" anchor="b"/>
+                </a:tc>
+                <a:tc>
+                  <a:txBody>
+                    <a:bodyPr/>
+                    <a:lstStyle/>
+                    <a:p>
+                      <a:pPr algn="ctr" fontAlgn="b"/>
+                      <a:r>
+                        <a:rPr lang="en-US" sz="1600" b="1" u="none" strike="noStrike" dirty="0">
+                          <a:effectLst/>
+                        </a:rPr>
+                        <a:t> </a:t>
+                      </a:r>
+                      <a:endParaRPr lang="en-US" sz="1600" b="1" i="0" u="none" strike="noStrike" dirty="0">
+                        <a:solidFill>
+                          <a:srgbClr val="000000"/>
+                        </a:solidFill>
+                        <a:effectLst/>
+                        <a:latin typeface="Calibri" panose="020F0502020204030204" pitchFamily="34" charset="0"/>
+                      </a:endParaRPr>
+                    </a:p>
+                  </a:txBody>
+                  <a:tcPr marL="10915" marR="10915" marT="10915" marB="0" anchor="b"/>
+                </a:tc>
+                <a:tc>
+                  <a:txBody>
+                    <a:bodyPr/>
+                    <a:lstStyle/>
+                    <a:p>
+                      <a:pPr algn="ctr" fontAlgn="b"/>
+                      <a:r>
+                        <a:rPr lang="en-US" sz="1600" b="1" u="none" strike="noStrike">
+                          <a:effectLst/>
+                        </a:rPr>
+                        <a:t> </a:t>
+                      </a:r>
+                      <a:endParaRPr lang="en-US" sz="1600" b="1" i="0" u="none" strike="noStrike">
+                        <a:solidFill>
+                          <a:srgbClr val="000000"/>
+                        </a:solidFill>
+                        <a:effectLst/>
+                        <a:latin typeface="Calibri" panose="020F0502020204030204" pitchFamily="34" charset="0"/>
+                      </a:endParaRPr>
+                    </a:p>
+                  </a:txBody>
+                  <a:tcPr marL="10915" marR="10915" marT="10915" marB="0" anchor="b"/>
+                </a:tc>
+                <a:tc>
+                  <a:txBody>
+                    <a:bodyPr/>
+                    <a:lstStyle/>
+                    <a:p>
+                      <a:pPr algn="ctr" fontAlgn="b"/>
+                      <a:r>
+                        <a:rPr lang="en-US" sz="1600" b="1" u="none" strike="noStrike" dirty="0">
+                          <a:effectLst/>
+                        </a:rPr>
+                        <a:t> </a:t>
+                      </a:r>
+                      <a:endParaRPr lang="en-US" sz="1600" b="1" i="0" u="none" strike="noStrike" dirty="0">
+                        <a:solidFill>
+                          <a:srgbClr val="000000"/>
+                        </a:solidFill>
+                        <a:effectLst/>
+                        <a:latin typeface="Calibri" panose="020F0502020204030204" pitchFamily="34" charset="0"/>
+                      </a:endParaRPr>
+                    </a:p>
+                  </a:txBody>
+                  <a:tcPr marL="10915" marR="10915" marT="10915" marB="0" anchor="b"/>
+                </a:tc>
+                <a:tc>
+                  <a:txBody>
+                    <a:bodyPr/>
+                    <a:lstStyle/>
+                    <a:p>
+                      <a:pPr algn="ctr" fontAlgn="b"/>
+                      <a:r>
+                        <a:rPr lang="en-US" sz="1600" b="1" u="none" strike="noStrike">
+                          <a:effectLst/>
+                        </a:rPr>
+                        <a:t>+</a:t>
+                      </a:r>
+                      <a:endParaRPr lang="en-US" sz="1600" b="1" i="0" u="none" strike="noStrike">
+                        <a:solidFill>
+                          <a:srgbClr val="006100"/>
+                        </a:solidFill>
+                        <a:effectLst/>
+                        <a:latin typeface="Calibri" panose="020F0502020204030204" pitchFamily="34" charset="0"/>
+                      </a:endParaRPr>
+                    </a:p>
+                  </a:txBody>
+                  <a:tcPr marL="10915" marR="10915" marT="10915" marB="0" anchor="b"/>
+                </a:tc>
+                <a:tc>
+                  <a:txBody>
+                    <a:bodyPr/>
+                    <a:lstStyle/>
+                    <a:p>
+                      <a:pPr algn="ctr" fontAlgn="b"/>
+                      <a:r>
+                        <a:rPr lang="en-US" sz="1600" b="1" u="none" strike="noStrike">
+                          <a:effectLst/>
+                        </a:rPr>
+                        <a:t> </a:t>
+                      </a:r>
+                      <a:endParaRPr lang="en-US" sz="1600" b="1" i="0" u="none" strike="noStrike">
+                        <a:solidFill>
+                          <a:srgbClr val="000000"/>
+                        </a:solidFill>
+                        <a:effectLst/>
+                        <a:latin typeface="Calibri" panose="020F0502020204030204" pitchFamily="34" charset="0"/>
+                      </a:endParaRPr>
+                    </a:p>
+                  </a:txBody>
+                  <a:tcPr marL="10915" marR="10915" marT="10915" marB="0" anchor="b"/>
+                </a:tc>
+                <a:tc>
+                  <a:txBody>
+                    <a:bodyPr/>
+                    <a:lstStyle/>
+                    <a:p>
+                      <a:pPr algn="ctr" fontAlgn="b"/>
+                      <a:r>
+                        <a:rPr lang="en-US" sz="1600" b="1" u="none" strike="noStrike">
+                          <a:effectLst/>
+                        </a:rPr>
+                        <a:t>+</a:t>
+                      </a:r>
+                      <a:endParaRPr lang="en-US" sz="1600" b="1" i="0" u="none" strike="noStrike">
+                        <a:solidFill>
+                          <a:srgbClr val="006100"/>
+                        </a:solidFill>
+                        <a:effectLst/>
+                        <a:latin typeface="Calibri" panose="020F0502020204030204" pitchFamily="34" charset="0"/>
+                      </a:endParaRPr>
+                    </a:p>
+                  </a:txBody>
+                  <a:tcPr marL="10915" marR="10915" marT="10915" marB="0" anchor="b"/>
+                </a:tc>
+                <a:extLst>
+                  <a:ext uri="{0D108BD9-81ED-4DB2-BD59-A6C34878D82A}">
+                    <a16:rowId xmlns:a16="http://schemas.microsoft.com/office/drawing/2014/main" val="2096629234"/>
+                  </a:ext>
+                </a:extLst>
+              </a:tr>
+              <a:tr h="272865">
+                <a:tc>
+                  <a:txBody>
+                    <a:bodyPr/>
+                    <a:lstStyle/>
+                    <a:p>
+                      <a:pPr algn="ctr" fontAlgn="ctr"/>
+                      <a:r>
+                        <a:rPr lang="en-US" sz="1300" u="none" strike="noStrike">
+                          <a:effectLst/>
+                        </a:rPr>
+                        <a:t>2nd+ Attempt</a:t>
+                      </a:r>
+                      <a:endParaRPr lang="en-US" sz="1300" b="0" i="0" u="none" strike="noStrike">
+                        <a:solidFill>
+                          <a:srgbClr val="006100"/>
+                        </a:solidFill>
+                        <a:effectLst/>
+                        <a:latin typeface="Calibri" panose="020F0502020204030204" pitchFamily="34" charset="0"/>
+                      </a:endParaRPr>
+                    </a:p>
+                  </a:txBody>
+                  <a:tcPr marL="10915" marR="10915" marT="10915" marB="0" anchor="ctr"/>
+                </a:tc>
+                <a:tc>
+                  <a:txBody>
+                    <a:bodyPr/>
+                    <a:lstStyle/>
+                    <a:p>
+                      <a:pPr algn="ctr" fontAlgn="b"/>
+                      <a:r>
+                        <a:rPr lang="en-US" sz="1600" b="1" u="none" strike="noStrike">
+                          <a:effectLst/>
+                        </a:rPr>
+                        <a:t>+</a:t>
+                      </a:r>
+                      <a:endParaRPr lang="en-US" sz="1600" b="1" i="0" u="none" strike="noStrike">
+                        <a:solidFill>
+                          <a:srgbClr val="006100"/>
+                        </a:solidFill>
+                        <a:effectLst/>
+                        <a:latin typeface="Calibri" panose="020F0502020204030204" pitchFamily="34" charset="0"/>
+                      </a:endParaRPr>
+                    </a:p>
+                  </a:txBody>
+                  <a:tcPr marL="10915" marR="10915" marT="10915" marB="0" anchor="b"/>
+                </a:tc>
+                <a:tc>
+                  <a:txBody>
+                    <a:bodyPr/>
+                    <a:lstStyle/>
+                    <a:p>
+                      <a:pPr algn="ctr" fontAlgn="b"/>
+                      <a:r>
+                        <a:rPr lang="en-US" sz="1600" b="1" u="none" strike="noStrike">
+                          <a:effectLst/>
+                        </a:rPr>
+                        <a:t> </a:t>
+                      </a:r>
+                      <a:endParaRPr lang="en-US" sz="1600" b="1" i="0" u="none" strike="noStrike">
+                        <a:solidFill>
+                          <a:srgbClr val="000000"/>
+                        </a:solidFill>
+                        <a:effectLst/>
+                        <a:latin typeface="Calibri" panose="020F0502020204030204" pitchFamily="34" charset="0"/>
+                      </a:endParaRPr>
+                    </a:p>
+                  </a:txBody>
+                  <a:tcPr marL="10915" marR="10915" marT="10915" marB="0" anchor="b"/>
+                </a:tc>
+                <a:tc>
+                  <a:txBody>
+                    <a:bodyPr/>
+                    <a:lstStyle/>
+                    <a:p>
+                      <a:pPr algn="ctr" fontAlgn="b"/>
+                      <a:r>
+                        <a:rPr lang="en-US" sz="1600" b="1" u="none" strike="noStrike">
+                          <a:effectLst/>
+                        </a:rPr>
+                        <a:t> </a:t>
+                      </a:r>
+                      <a:endParaRPr lang="en-US" sz="1600" b="1" i="0" u="none" strike="noStrike">
+                        <a:solidFill>
+                          <a:srgbClr val="000000"/>
+                        </a:solidFill>
+                        <a:effectLst/>
+                        <a:latin typeface="Calibri" panose="020F0502020204030204" pitchFamily="34" charset="0"/>
+                      </a:endParaRPr>
+                    </a:p>
+                  </a:txBody>
+                  <a:tcPr marL="10915" marR="10915" marT="10915" marB="0" anchor="b"/>
+                </a:tc>
+                <a:tc>
+                  <a:txBody>
+                    <a:bodyPr/>
+                    <a:lstStyle/>
+                    <a:p>
+                      <a:pPr algn="ctr" fontAlgn="b"/>
+                      <a:r>
+                        <a:rPr lang="en-US" sz="1600" b="1" u="none" strike="noStrike">
+                          <a:effectLst/>
+                        </a:rPr>
+                        <a:t> </a:t>
+                      </a:r>
+                      <a:endParaRPr lang="en-US" sz="1600" b="1" i="0" u="none" strike="noStrike">
+                        <a:solidFill>
+                          <a:srgbClr val="000000"/>
+                        </a:solidFill>
+                        <a:effectLst/>
+                        <a:latin typeface="Calibri" panose="020F0502020204030204" pitchFamily="34" charset="0"/>
+                      </a:endParaRPr>
+                    </a:p>
+                  </a:txBody>
+                  <a:tcPr marL="10915" marR="10915" marT="10915" marB="0" anchor="b"/>
+                </a:tc>
+                <a:tc>
+                  <a:txBody>
+                    <a:bodyPr/>
+                    <a:lstStyle/>
+                    <a:p>
+                      <a:pPr algn="ctr" fontAlgn="b"/>
+                      <a:r>
+                        <a:rPr lang="en-US" sz="1600" b="1" u="none" strike="noStrike">
+                          <a:effectLst/>
+                        </a:rPr>
+                        <a:t> </a:t>
+                      </a:r>
+                      <a:endParaRPr lang="en-US" sz="1600" b="1" i="0" u="none" strike="noStrike">
+                        <a:solidFill>
+                          <a:srgbClr val="000000"/>
+                        </a:solidFill>
+                        <a:effectLst/>
+                        <a:latin typeface="Calibri" panose="020F0502020204030204" pitchFamily="34" charset="0"/>
+                      </a:endParaRPr>
+                    </a:p>
+                  </a:txBody>
+                  <a:tcPr marL="10915" marR="10915" marT="10915" marB="0" anchor="b"/>
+                </a:tc>
+                <a:tc>
+                  <a:txBody>
+                    <a:bodyPr/>
+                    <a:lstStyle/>
+                    <a:p>
+                      <a:pPr algn="ctr" fontAlgn="b"/>
+                      <a:r>
+                        <a:rPr lang="en-US" sz="1600" b="1" u="none" strike="noStrike">
+                          <a:effectLst/>
+                        </a:rPr>
+                        <a:t> </a:t>
+                      </a:r>
+                      <a:endParaRPr lang="en-US" sz="1600" b="1" i="0" u="none" strike="noStrike">
+                        <a:solidFill>
+                          <a:srgbClr val="000000"/>
+                        </a:solidFill>
+                        <a:effectLst/>
+                        <a:latin typeface="Calibri" panose="020F0502020204030204" pitchFamily="34" charset="0"/>
+                      </a:endParaRPr>
+                    </a:p>
+                  </a:txBody>
+                  <a:tcPr marL="10915" marR="10915" marT="10915" marB="0" anchor="b"/>
+                </a:tc>
+                <a:tc>
+                  <a:txBody>
+                    <a:bodyPr/>
+                    <a:lstStyle/>
+                    <a:p>
+                      <a:pPr algn="ctr" fontAlgn="b"/>
+                      <a:r>
+                        <a:rPr lang="en-US" sz="1600" b="1" u="none" strike="noStrike" dirty="0">
+                          <a:effectLst/>
+                        </a:rPr>
+                        <a:t> </a:t>
+                      </a:r>
+                      <a:endParaRPr lang="en-US" sz="1600" b="1" i="0" u="none" strike="noStrike" dirty="0">
+                        <a:solidFill>
+                          <a:srgbClr val="000000"/>
+                        </a:solidFill>
+                        <a:effectLst/>
+                        <a:latin typeface="Calibri" panose="020F0502020204030204" pitchFamily="34" charset="0"/>
+                      </a:endParaRPr>
+                    </a:p>
+                  </a:txBody>
+                  <a:tcPr marL="10915" marR="10915" marT="10915" marB="0" anchor="b"/>
+                </a:tc>
+                <a:tc>
+                  <a:txBody>
+                    <a:bodyPr/>
+                    <a:lstStyle/>
+                    <a:p>
+                      <a:pPr algn="ctr" fontAlgn="b"/>
+                      <a:r>
+                        <a:rPr lang="en-US" sz="1600" b="1" u="none" strike="noStrike" dirty="0">
+                          <a:effectLst/>
+                        </a:rPr>
+                        <a:t> </a:t>
+                      </a:r>
+                      <a:endParaRPr lang="en-US" sz="1600" b="1" i="0" u="none" strike="noStrike" dirty="0">
+                        <a:solidFill>
+                          <a:srgbClr val="000000"/>
+                        </a:solidFill>
+                        <a:effectLst/>
+                        <a:latin typeface="Calibri" panose="020F0502020204030204" pitchFamily="34" charset="0"/>
+                      </a:endParaRPr>
+                    </a:p>
+                  </a:txBody>
+                  <a:tcPr marL="10915" marR="10915" marT="10915" marB="0" anchor="b"/>
+                </a:tc>
+                <a:tc>
+                  <a:txBody>
+                    <a:bodyPr/>
+                    <a:lstStyle/>
+                    <a:p>
+                      <a:pPr algn="ctr" fontAlgn="b"/>
+                      <a:r>
+                        <a:rPr lang="en-US" sz="1600" b="1" u="none" strike="noStrike" dirty="0">
+                          <a:effectLst/>
+                        </a:rPr>
+                        <a:t> </a:t>
+                      </a:r>
+                      <a:endParaRPr lang="en-US" sz="1600" b="1" i="0" u="none" strike="noStrike" dirty="0">
+                        <a:solidFill>
+                          <a:srgbClr val="000000"/>
+                        </a:solidFill>
+                        <a:effectLst/>
+                        <a:latin typeface="Calibri" panose="020F0502020204030204" pitchFamily="34" charset="0"/>
+                      </a:endParaRPr>
+                    </a:p>
+                  </a:txBody>
+                  <a:tcPr marL="10915" marR="10915" marT="10915" marB="0" anchor="b"/>
+                </a:tc>
+                <a:tc>
+                  <a:txBody>
+                    <a:bodyPr/>
+                    <a:lstStyle/>
+                    <a:p>
+                      <a:pPr algn="ctr" fontAlgn="b"/>
+                      <a:r>
+                        <a:rPr lang="en-US" sz="1600" b="1" u="none" strike="noStrike" dirty="0">
+                          <a:effectLst/>
+                        </a:rPr>
+                        <a:t> </a:t>
+                      </a:r>
+                      <a:endParaRPr lang="en-US" sz="1600" b="1" i="0" u="none" strike="noStrike" dirty="0">
+                        <a:solidFill>
+                          <a:srgbClr val="000000"/>
+                        </a:solidFill>
+                        <a:effectLst/>
+                        <a:latin typeface="Calibri" panose="020F0502020204030204" pitchFamily="34" charset="0"/>
+                      </a:endParaRPr>
+                    </a:p>
+                  </a:txBody>
+                  <a:tcPr marL="10915" marR="10915" marT="10915" marB="0" anchor="b"/>
+                </a:tc>
+                <a:tc>
+                  <a:txBody>
+                    <a:bodyPr/>
+                    <a:lstStyle/>
+                    <a:p>
+                      <a:pPr algn="ctr" fontAlgn="b"/>
+                      <a:r>
+                        <a:rPr lang="en-US" sz="1600" b="1" u="none" strike="noStrike">
+                          <a:effectLst/>
+                        </a:rPr>
+                        <a:t> </a:t>
+                      </a:r>
+                      <a:endParaRPr lang="en-US" sz="1600" b="1" i="0" u="none" strike="noStrike">
+                        <a:solidFill>
+                          <a:srgbClr val="000000"/>
+                        </a:solidFill>
+                        <a:effectLst/>
+                        <a:latin typeface="Calibri" panose="020F0502020204030204" pitchFamily="34" charset="0"/>
+                      </a:endParaRPr>
+                    </a:p>
+                  </a:txBody>
+                  <a:tcPr marL="10915" marR="10915" marT="10915" marB="0" anchor="b"/>
+                </a:tc>
+                <a:tc>
+                  <a:txBody>
+                    <a:bodyPr/>
+                    <a:lstStyle/>
+                    <a:p>
+                      <a:pPr algn="ctr" fontAlgn="b"/>
+                      <a:r>
+                        <a:rPr lang="en-US" sz="1600" b="1" u="none" strike="noStrike">
+                          <a:effectLst/>
+                        </a:rPr>
+                        <a:t> </a:t>
+                      </a:r>
+                      <a:endParaRPr lang="en-US" sz="1600" b="1" i="0" u="none" strike="noStrike">
+                        <a:solidFill>
+                          <a:srgbClr val="000000"/>
+                        </a:solidFill>
+                        <a:effectLst/>
+                        <a:latin typeface="Calibri" panose="020F0502020204030204" pitchFamily="34" charset="0"/>
+                      </a:endParaRPr>
+                    </a:p>
+                  </a:txBody>
+                  <a:tcPr marL="10915" marR="10915" marT="10915" marB="0" anchor="b"/>
+                </a:tc>
+                <a:extLst>
+                  <a:ext uri="{0D108BD9-81ED-4DB2-BD59-A6C34878D82A}">
+                    <a16:rowId xmlns:a16="http://schemas.microsoft.com/office/drawing/2014/main" val="1534417951"/>
+                  </a:ext>
+                </a:extLst>
+              </a:tr>
+              <a:tr h="272865">
+                <a:tc>
+                  <a:txBody>
+                    <a:bodyPr/>
+                    <a:lstStyle/>
+                    <a:p>
+                      <a:pPr algn="ctr" fontAlgn="ctr"/>
+                      <a:r>
+                        <a:rPr lang="en-US" sz="1300" u="none" strike="noStrike">
+                          <a:effectLst/>
+                        </a:rPr>
+                        <a:t>Sophomore</a:t>
+                      </a:r>
+                      <a:endParaRPr lang="en-US" sz="1300" b="0" i="0" u="none" strike="noStrike">
+                        <a:solidFill>
+                          <a:srgbClr val="000000"/>
+                        </a:solidFill>
+                        <a:effectLst/>
+                        <a:latin typeface="Calibri" panose="020F0502020204030204" pitchFamily="34" charset="0"/>
+                      </a:endParaRPr>
+                    </a:p>
+                  </a:txBody>
+                  <a:tcPr marL="10915" marR="10915" marT="10915" marB="0" anchor="ctr"/>
+                </a:tc>
+                <a:tc>
+                  <a:txBody>
+                    <a:bodyPr/>
+                    <a:lstStyle/>
+                    <a:p>
+                      <a:pPr algn="ctr" fontAlgn="b"/>
+                      <a:r>
+                        <a:rPr lang="en-US" sz="1600" b="1" u="none" strike="noStrike">
+                          <a:effectLst/>
+                        </a:rPr>
+                        <a:t>+</a:t>
+                      </a:r>
+                      <a:endParaRPr lang="en-US" sz="1600" b="1" i="0" u="none" strike="noStrike">
+                        <a:solidFill>
+                          <a:srgbClr val="006100"/>
+                        </a:solidFill>
+                        <a:effectLst/>
+                        <a:latin typeface="Calibri" panose="020F0502020204030204" pitchFamily="34" charset="0"/>
+                      </a:endParaRPr>
+                    </a:p>
+                  </a:txBody>
+                  <a:tcPr marL="10915" marR="10915" marT="10915" marB="0" anchor="b"/>
+                </a:tc>
+                <a:tc>
+                  <a:txBody>
+                    <a:bodyPr/>
+                    <a:lstStyle/>
+                    <a:p>
+                      <a:pPr algn="ctr" fontAlgn="b"/>
+                      <a:r>
+                        <a:rPr lang="en-US" sz="1600" b="1" u="none" strike="noStrike">
+                          <a:effectLst/>
+                        </a:rPr>
+                        <a:t> </a:t>
+                      </a:r>
+                      <a:endParaRPr lang="en-US" sz="1600" b="1" i="0" u="none" strike="noStrike">
+                        <a:solidFill>
+                          <a:srgbClr val="000000"/>
+                        </a:solidFill>
+                        <a:effectLst/>
+                        <a:latin typeface="Calibri" panose="020F0502020204030204" pitchFamily="34" charset="0"/>
+                      </a:endParaRPr>
+                    </a:p>
+                  </a:txBody>
+                  <a:tcPr marL="10915" marR="10915" marT="10915" marB="0" anchor="b"/>
+                </a:tc>
+                <a:tc>
+                  <a:txBody>
+                    <a:bodyPr/>
+                    <a:lstStyle/>
+                    <a:p>
+                      <a:pPr algn="ctr" fontAlgn="b"/>
+                      <a:r>
+                        <a:rPr lang="en-US" sz="1600" b="1" u="none" strike="noStrike">
+                          <a:effectLst/>
+                        </a:rPr>
+                        <a:t> </a:t>
+                      </a:r>
+                      <a:endParaRPr lang="en-US" sz="1600" b="1" i="0" u="none" strike="noStrike">
+                        <a:solidFill>
+                          <a:srgbClr val="000000"/>
+                        </a:solidFill>
+                        <a:effectLst/>
+                        <a:latin typeface="Calibri" panose="020F0502020204030204" pitchFamily="34" charset="0"/>
+                      </a:endParaRPr>
+                    </a:p>
+                  </a:txBody>
+                  <a:tcPr marL="10915" marR="10915" marT="10915" marB="0" anchor="b"/>
+                </a:tc>
+                <a:tc>
+                  <a:txBody>
+                    <a:bodyPr/>
+                    <a:lstStyle/>
+                    <a:p>
+                      <a:pPr algn="ctr" fontAlgn="b"/>
+                      <a:r>
+                        <a:rPr lang="en-US" sz="1600" b="1" u="none" strike="noStrike">
+                          <a:effectLst/>
+                        </a:rPr>
+                        <a:t> </a:t>
+                      </a:r>
+                      <a:endParaRPr lang="en-US" sz="1600" b="1" i="0" u="none" strike="noStrike">
+                        <a:solidFill>
+                          <a:srgbClr val="000000"/>
+                        </a:solidFill>
+                        <a:effectLst/>
+                        <a:latin typeface="Calibri" panose="020F0502020204030204" pitchFamily="34" charset="0"/>
+                      </a:endParaRPr>
+                    </a:p>
+                  </a:txBody>
+                  <a:tcPr marL="10915" marR="10915" marT="10915" marB="0" anchor="b"/>
+                </a:tc>
+                <a:tc>
+                  <a:txBody>
+                    <a:bodyPr/>
+                    <a:lstStyle/>
+                    <a:p>
+                      <a:pPr algn="ctr" fontAlgn="b"/>
+                      <a:r>
+                        <a:rPr lang="en-US" sz="1600" b="1" u="none" strike="noStrike">
+                          <a:effectLst/>
+                        </a:rPr>
+                        <a:t> </a:t>
+                      </a:r>
+                      <a:endParaRPr lang="en-US" sz="1600" b="1" i="0" u="none" strike="noStrike">
+                        <a:solidFill>
+                          <a:srgbClr val="000000"/>
+                        </a:solidFill>
+                        <a:effectLst/>
+                        <a:latin typeface="Calibri" panose="020F0502020204030204" pitchFamily="34" charset="0"/>
+                      </a:endParaRPr>
+                    </a:p>
+                  </a:txBody>
+                  <a:tcPr marL="10915" marR="10915" marT="10915" marB="0" anchor="b"/>
+                </a:tc>
+                <a:tc>
+                  <a:txBody>
+                    <a:bodyPr/>
+                    <a:lstStyle/>
+                    <a:p>
+                      <a:pPr algn="ctr" fontAlgn="b"/>
+                      <a:r>
+                        <a:rPr lang="en-US" sz="1600" b="1" u="none" strike="noStrike">
+                          <a:effectLst/>
+                        </a:rPr>
+                        <a:t> </a:t>
+                      </a:r>
+                      <a:endParaRPr lang="en-US" sz="1600" b="1" i="0" u="none" strike="noStrike">
+                        <a:solidFill>
+                          <a:srgbClr val="000000"/>
+                        </a:solidFill>
+                        <a:effectLst/>
+                        <a:latin typeface="Calibri" panose="020F0502020204030204" pitchFamily="34" charset="0"/>
+                      </a:endParaRPr>
+                    </a:p>
+                  </a:txBody>
+                  <a:tcPr marL="10915" marR="10915" marT="10915" marB="0" anchor="b"/>
+                </a:tc>
+                <a:tc>
+                  <a:txBody>
+                    <a:bodyPr/>
+                    <a:lstStyle/>
+                    <a:p>
+                      <a:pPr algn="ctr" fontAlgn="b"/>
+                      <a:r>
+                        <a:rPr lang="en-US" sz="1600" b="1" u="none" strike="noStrike" dirty="0">
+                          <a:effectLst/>
+                        </a:rPr>
+                        <a:t> </a:t>
+                      </a:r>
+                      <a:endParaRPr lang="en-US" sz="1600" b="1" i="0" u="none" strike="noStrike" dirty="0">
+                        <a:solidFill>
+                          <a:srgbClr val="000000"/>
+                        </a:solidFill>
+                        <a:effectLst/>
+                        <a:latin typeface="Calibri" panose="020F0502020204030204" pitchFamily="34" charset="0"/>
+                      </a:endParaRPr>
+                    </a:p>
+                  </a:txBody>
+                  <a:tcPr marL="10915" marR="10915" marT="10915" marB="0" anchor="b"/>
+                </a:tc>
+                <a:tc>
+                  <a:txBody>
+                    <a:bodyPr/>
+                    <a:lstStyle/>
+                    <a:p>
+                      <a:pPr algn="ctr" fontAlgn="b"/>
+                      <a:r>
+                        <a:rPr lang="en-US" sz="1600" b="1" u="none" strike="noStrike" dirty="0">
+                          <a:effectLst/>
+                        </a:rPr>
+                        <a:t> </a:t>
+                      </a:r>
+                      <a:endParaRPr lang="en-US" sz="1600" b="1" i="0" u="none" strike="noStrike" dirty="0">
+                        <a:solidFill>
+                          <a:srgbClr val="000000"/>
+                        </a:solidFill>
+                        <a:effectLst/>
+                        <a:latin typeface="Calibri" panose="020F0502020204030204" pitchFamily="34" charset="0"/>
+                      </a:endParaRPr>
+                    </a:p>
+                  </a:txBody>
+                  <a:tcPr marL="10915" marR="10915" marT="10915" marB="0" anchor="b"/>
+                </a:tc>
+                <a:tc>
+                  <a:txBody>
+                    <a:bodyPr/>
+                    <a:lstStyle/>
+                    <a:p>
+                      <a:pPr algn="ctr" fontAlgn="b"/>
+                      <a:r>
+                        <a:rPr lang="en-US" sz="1600" b="1" u="none" strike="noStrike" dirty="0">
+                          <a:effectLst/>
+                        </a:rPr>
+                        <a:t> </a:t>
+                      </a:r>
+                      <a:endParaRPr lang="en-US" sz="1600" b="1" i="0" u="none" strike="noStrike" dirty="0">
+                        <a:solidFill>
+                          <a:srgbClr val="000000"/>
+                        </a:solidFill>
+                        <a:effectLst/>
+                        <a:latin typeface="Calibri" panose="020F0502020204030204" pitchFamily="34" charset="0"/>
+                      </a:endParaRPr>
+                    </a:p>
+                  </a:txBody>
+                  <a:tcPr marL="10915" marR="10915" marT="10915" marB="0" anchor="b"/>
+                </a:tc>
+                <a:tc>
+                  <a:txBody>
+                    <a:bodyPr/>
+                    <a:lstStyle/>
+                    <a:p>
+                      <a:pPr algn="ctr" fontAlgn="b"/>
+                      <a:r>
+                        <a:rPr lang="en-US" sz="1600" b="1" u="none" strike="noStrike" dirty="0">
+                          <a:effectLst/>
+                        </a:rPr>
+                        <a:t>+</a:t>
+                      </a:r>
+                      <a:endParaRPr lang="en-US" sz="1600" b="1" i="0" u="none" strike="noStrike" dirty="0">
+                        <a:solidFill>
+                          <a:srgbClr val="006100"/>
+                        </a:solidFill>
+                        <a:effectLst/>
+                        <a:latin typeface="Calibri" panose="020F0502020204030204" pitchFamily="34" charset="0"/>
+                      </a:endParaRPr>
+                    </a:p>
+                  </a:txBody>
+                  <a:tcPr marL="10915" marR="10915" marT="10915" marB="0" anchor="b"/>
+                </a:tc>
+                <a:tc>
+                  <a:txBody>
+                    <a:bodyPr/>
+                    <a:lstStyle/>
+                    <a:p>
+                      <a:pPr algn="ctr" fontAlgn="b"/>
+                      <a:r>
+                        <a:rPr lang="en-US" sz="1600" b="1" u="none" strike="noStrike" dirty="0">
+                          <a:effectLst/>
+                        </a:rPr>
+                        <a:t> </a:t>
+                      </a:r>
+                      <a:endParaRPr lang="en-US" sz="1600" b="1" i="0" u="none" strike="noStrike" dirty="0">
+                        <a:solidFill>
+                          <a:srgbClr val="000000"/>
+                        </a:solidFill>
+                        <a:effectLst/>
+                        <a:latin typeface="Calibri" panose="020F0502020204030204" pitchFamily="34" charset="0"/>
+                      </a:endParaRPr>
+                    </a:p>
+                  </a:txBody>
+                  <a:tcPr marL="10915" marR="10915" marT="10915" marB="0" anchor="b"/>
+                </a:tc>
+                <a:tc>
+                  <a:txBody>
+                    <a:bodyPr/>
+                    <a:lstStyle/>
+                    <a:p>
+                      <a:pPr algn="ctr" fontAlgn="b"/>
+                      <a:r>
+                        <a:rPr lang="en-US" sz="1600" b="1" u="none" strike="noStrike">
+                          <a:effectLst/>
+                        </a:rPr>
+                        <a:t>+</a:t>
+                      </a:r>
+                      <a:endParaRPr lang="en-US" sz="1600" b="1" i="0" u="none" strike="noStrike">
+                        <a:solidFill>
+                          <a:srgbClr val="006100"/>
+                        </a:solidFill>
+                        <a:effectLst/>
+                        <a:latin typeface="Calibri" panose="020F0502020204030204" pitchFamily="34" charset="0"/>
+                      </a:endParaRPr>
+                    </a:p>
+                  </a:txBody>
+                  <a:tcPr marL="10915" marR="10915" marT="10915" marB="0" anchor="b"/>
+                </a:tc>
+                <a:extLst>
+                  <a:ext uri="{0D108BD9-81ED-4DB2-BD59-A6C34878D82A}">
+                    <a16:rowId xmlns:a16="http://schemas.microsoft.com/office/drawing/2014/main" val="842710022"/>
+                  </a:ext>
+                </a:extLst>
+              </a:tr>
+              <a:tr h="272865">
+                <a:tc>
+                  <a:txBody>
+                    <a:bodyPr/>
+                    <a:lstStyle/>
+                    <a:p>
+                      <a:pPr algn="ctr" fontAlgn="ctr"/>
+                      <a:r>
+                        <a:rPr lang="en-US" sz="1300" u="none" strike="noStrike">
+                          <a:effectLst/>
+                        </a:rPr>
+                        <a:t>Junior</a:t>
+                      </a:r>
+                      <a:endParaRPr lang="en-US" sz="1300" b="0" i="0" u="none" strike="noStrike">
+                        <a:solidFill>
+                          <a:srgbClr val="000000"/>
+                        </a:solidFill>
+                        <a:effectLst/>
+                        <a:latin typeface="Calibri" panose="020F0502020204030204" pitchFamily="34" charset="0"/>
+                      </a:endParaRPr>
+                    </a:p>
+                  </a:txBody>
+                  <a:tcPr marL="10915" marR="10915" marT="10915" marB="0" anchor="ctr"/>
+                </a:tc>
+                <a:tc>
+                  <a:txBody>
+                    <a:bodyPr/>
+                    <a:lstStyle/>
+                    <a:p>
+                      <a:pPr algn="ctr" fontAlgn="b"/>
+                      <a:r>
+                        <a:rPr lang="en-US" sz="1600" b="1" u="none" strike="noStrike">
+                          <a:effectLst/>
+                        </a:rPr>
+                        <a:t> </a:t>
+                      </a:r>
+                      <a:endParaRPr lang="en-US" sz="1600" b="1" i="0" u="none" strike="noStrike">
+                        <a:solidFill>
+                          <a:srgbClr val="000000"/>
+                        </a:solidFill>
+                        <a:effectLst/>
+                        <a:latin typeface="Calibri" panose="020F0502020204030204" pitchFamily="34" charset="0"/>
+                      </a:endParaRPr>
+                    </a:p>
+                  </a:txBody>
+                  <a:tcPr marL="10915" marR="10915" marT="10915" marB="0" anchor="b"/>
+                </a:tc>
+                <a:tc>
+                  <a:txBody>
+                    <a:bodyPr/>
+                    <a:lstStyle/>
+                    <a:p>
+                      <a:pPr algn="ctr" fontAlgn="b"/>
+                      <a:r>
+                        <a:rPr lang="en-US" sz="1600" b="1" u="none" strike="noStrike">
+                          <a:effectLst/>
+                        </a:rPr>
+                        <a:t> </a:t>
+                      </a:r>
+                      <a:endParaRPr lang="en-US" sz="1600" b="1" i="0" u="none" strike="noStrike">
+                        <a:solidFill>
+                          <a:srgbClr val="000000"/>
+                        </a:solidFill>
+                        <a:effectLst/>
+                        <a:latin typeface="Calibri" panose="020F0502020204030204" pitchFamily="34" charset="0"/>
+                      </a:endParaRPr>
+                    </a:p>
+                  </a:txBody>
+                  <a:tcPr marL="10915" marR="10915" marT="10915" marB="0" anchor="b"/>
+                </a:tc>
+                <a:tc>
+                  <a:txBody>
+                    <a:bodyPr/>
+                    <a:lstStyle/>
+                    <a:p>
+                      <a:pPr algn="ctr" fontAlgn="b"/>
+                      <a:r>
+                        <a:rPr lang="en-US" sz="1600" b="1" u="none" strike="noStrike">
+                          <a:effectLst/>
+                        </a:rPr>
+                        <a:t> </a:t>
+                      </a:r>
+                      <a:endParaRPr lang="en-US" sz="1600" b="1" i="0" u="none" strike="noStrike">
+                        <a:solidFill>
+                          <a:srgbClr val="000000"/>
+                        </a:solidFill>
+                        <a:effectLst/>
+                        <a:latin typeface="Calibri" panose="020F0502020204030204" pitchFamily="34" charset="0"/>
+                      </a:endParaRPr>
+                    </a:p>
+                  </a:txBody>
+                  <a:tcPr marL="10915" marR="10915" marT="10915" marB="0" anchor="b"/>
+                </a:tc>
+                <a:tc>
+                  <a:txBody>
+                    <a:bodyPr/>
+                    <a:lstStyle/>
+                    <a:p>
+                      <a:pPr algn="ctr" fontAlgn="b"/>
+                      <a:r>
+                        <a:rPr lang="en-US" sz="1600" b="1" u="none" strike="noStrike">
+                          <a:effectLst/>
+                        </a:rPr>
+                        <a:t>-</a:t>
+                      </a:r>
+                      <a:endParaRPr lang="en-US" sz="1600" b="1" i="0" u="none" strike="noStrike">
+                        <a:solidFill>
+                          <a:srgbClr val="9C0006"/>
+                        </a:solidFill>
+                        <a:effectLst/>
+                        <a:latin typeface="Calibri" panose="020F0502020204030204" pitchFamily="34" charset="0"/>
+                      </a:endParaRPr>
+                    </a:p>
+                  </a:txBody>
+                  <a:tcPr marL="10915" marR="10915" marT="10915" marB="0" anchor="b"/>
+                </a:tc>
+                <a:tc>
+                  <a:txBody>
+                    <a:bodyPr/>
+                    <a:lstStyle/>
+                    <a:p>
+                      <a:pPr algn="ctr" fontAlgn="b"/>
+                      <a:r>
+                        <a:rPr lang="en-US" sz="1600" b="1" u="none" strike="noStrike">
+                          <a:effectLst/>
+                        </a:rPr>
+                        <a:t> </a:t>
+                      </a:r>
+                      <a:endParaRPr lang="en-US" sz="1600" b="1" i="0" u="none" strike="noStrike">
+                        <a:solidFill>
+                          <a:srgbClr val="000000"/>
+                        </a:solidFill>
+                        <a:effectLst/>
+                        <a:latin typeface="Calibri" panose="020F0502020204030204" pitchFamily="34" charset="0"/>
+                      </a:endParaRPr>
+                    </a:p>
+                  </a:txBody>
+                  <a:tcPr marL="10915" marR="10915" marT="10915" marB="0" anchor="b"/>
+                </a:tc>
+                <a:tc>
+                  <a:txBody>
+                    <a:bodyPr/>
+                    <a:lstStyle/>
+                    <a:p>
+                      <a:pPr algn="ctr" fontAlgn="b"/>
+                      <a:r>
+                        <a:rPr lang="en-US" sz="1600" b="1" u="none" strike="noStrike">
+                          <a:effectLst/>
+                        </a:rPr>
+                        <a:t> </a:t>
+                      </a:r>
+                      <a:endParaRPr lang="en-US" sz="1600" b="1" i="0" u="none" strike="noStrike">
+                        <a:solidFill>
+                          <a:srgbClr val="000000"/>
+                        </a:solidFill>
+                        <a:effectLst/>
+                        <a:latin typeface="Calibri" panose="020F0502020204030204" pitchFamily="34" charset="0"/>
+                      </a:endParaRPr>
+                    </a:p>
+                  </a:txBody>
+                  <a:tcPr marL="10915" marR="10915" marT="10915" marB="0" anchor="b"/>
+                </a:tc>
+                <a:tc>
+                  <a:txBody>
+                    <a:bodyPr/>
+                    <a:lstStyle/>
+                    <a:p>
+                      <a:pPr algn="ctr" fontAlgn="b"/>
+                      <a:r>
+                        <a:rPr lang="en-US" sz="1600" b="1" u="none" strike="noStrike">
+                          <a:effectLst/>
+                        </a:rPr>
+                        <a:t> </a:t>
+                      </a:r>
+                      <a:endParaRPr lang="en-US" sz="1600" b="1" i="0" u="none" strike="noStrike">
+                        <a:solidFill>
+                          <a:srgbClr val="000000"/>
+                        </a:solidFill>
+                        <a:effectLst/>
+                        <a:latin typeface="Calibri" panose="020F0502020204030204" pitchFamily="34" charset="0"/>
+                      </a:endParaRPr>
+                    </a:p>
+                  </a:txBody>
+                  <a:tcPr marL="10915" marR="10915" marT="10915" marB="0" anchor="b"/>
+                </a:tc>
+                <a:tc>
+                  <a:txBody>
+                    <a:bodyPr/>
+                    <a:lstStyle/>
+                    <a:p>
+                      <a:pPr algn="ctr" fontAlgn="b"/>
+                      <a:r>
+                        <a:rPr lang="en-US" sz="1600" b="1" u="none" strike="noStrike" dirty="0">
+                          <a:effectLst/>
+                        </a:rPr>
+                        <a:t> </a:t>
+                      </a:r>
+                      <a:endParaRPr lang="en-US" sz="1600" b="1" i="0" u="none" strike="noStrike" dirty="0">
+                        <a:solidFill>
+                          <a:srgbClr val="000000"/>
+                        </a:solidFill>
+                        <a:effectLst/>
+                        <a:latin typeface="Calibri" panose="020F0502020204030204" pitchFamily="34" charset="0"/>
+                      </a:endParaRPr>
+                    </a:p>
+                  </a:txBody>
+                  <a:tcPr marL="10915" marR="10915" marT="10915" marB="0" anchor="b"/>
+                </a:tc>
+                <a:tc>
+                  <a:txBody>
+                    <a:bodyPr/>
+                    <a:lstStyle/>
+                    <a:p>
+                      <a:pPr algn="ctr" fontAlgn="b"/>
+                      <a:r>
+                        <a:rPr lang="en-US" sz="1600" b="1" u="none" strike="noStrike" dirty="0">
+                          <a:effectLst/>
+                        </a:rPr>
+                        <a:t> </a:t>
+                      </a:r>
+                      <a:endParaRPr lang="en-US" sz="1600" b="1" i="0" u="none" strike="noStrike" dirty="0">
+                        <a:solidFill>
+                          <a:srgbClr val="000000"/>
+                        </a:solidFill>
+                        <a:effectLst/>
+                        <a:latin typeface="Calibri" panose="020F0502020204030204" pitchFamily="34" charset="0"/>
+                      </a:endParaRPr>
+                    </a:p>
+                  </a:txBody>
+                  <a:tcPr marL="10915" marR="10915" marT="10915" marB="0" anchor="b"/>
+                </a:tc>
+                <a:tc>
+                  <a:txBody>
+                    <a:bodyPr/>
+                    <a:lstStyle/>
+                    <a:p>
+                      <a:pPr algn="ctr" fontAlgn="b"/>
+                      <a:r>
+                        <a:rPr lang="en-US" sz="1600" b="1" u="none" strike="noStrike" dirty="0">
+                          <a:effectLst/>
+                        </a:rPr>
+                        <a:t> </a:t>
+                      </a:r>
+                      <a:endParaRPr lang="en-US" sz="1600" b="1" i="0" u="none" strike="noStrike" dirty="0">
+                        <a:solidFill>
+                          <a:srgbClr val="000000"/>
+                        </a:solidFill>
+                        <a:effectLst/>
+                        <a:latin typeface="Calibri" panose="020F0502020204030204" pitchFamily="34" charset="0"/>
+                      </a:endParaRPr>
+                    </a:p>
+                  </a:txBody>
+                  <a:tcPr marL="10915" marR="10915" marT="10915" marB="0" anchor="b"/>
+                </a:tc>
+                <a:tc>
+                  <a:txBody>
+                    <a:bodyPr/>
+                    <a:lstStyle/>
+                    <a:p>
+                      <a:pPr algn="ctr" fontAlgn="b"/>
+                      <a:r>
+                        <a:rPr lang="en-US" sz="1600" b="1" u="none" strike="noStrike" dirty="0">
+                          <a:effectLst/>
+                        </a:rPr>
+                        <a:t> </a:t>
+                      </a:r>
+                      <a:endParaRPr lang="en-US" sz="1600" b="1" i="0" u="none" strike="noStrike" dirty="0">
+                        <a:solidFill>
+                          <a:srgbClr val="000000"/>
+                        </a:solidFill>
+                        <a:effectLst/>
+                        <a:latin typeface="Calibri" panose="020F0502020204030204" pitchFamily="34" charset="0"/>
+                      </a:endParaRPr>
+                    </a:p>
+                  </a:txBody>
+                  <a:tcPr marL="10915" marR="10915" marT="10915" marB="0" anchor="b"/>
+                </a:tc>
+                <a:tc>
+                  <a:txBody>
+                    <a:bodyPr/>
+                    <a:lstStyle/>
+                    <a:p>
+                      <a:pPr algn="ctr" fontAlgn="b"/>
+                      <a:r>
+                        <a:rPr lang="en-US" sz="1600" b="1" u="none" strike="noStrike" dirty="0">
+                          <a:effectLst/>
+                        </a:rPr>
+                        <a:t> </a:t>
+                      </a:r>
+                      <a:endParaRPr lang="en-US" sz="1600" b="1" i="0" u="none" strike="noStrike" dirty="0">
+                        <a:solidFill>
+                          <a:srgbClr val="000000"/>
+                        </a:solidFill>
+                        <a:effectLst/>
+                        <a:latin typeface="Calibri" panose="020F0502020204030204" pitchFamily="34" charset="0"/>
+                      </a:endParaRPr>
+                    </a:p>
+                  </a:txBody>
+                  <a:tcPr marL="10915" marR="10915" marT="10915" marB="0" anchor="b"/>
+                </a:tc>
+                <a:extLst>
+                  <a:ext uri="{0D108BD9-81ED-4DB2-BD59-A6C34878D82A}">
+                    <a16:rowId xmlns:a16="http://schemas.microsoft.com/office/drawing/2014/main" val="2507441299"/>
+                  </a:ext>
+                </a:extLst>
+              </a:tr>
+            </a:tbl>
+          </a:graphicData>
+        </a:graphic>
+      </p:graphicFrame>
+    </p:spTree>
+    <p:extLst>
+      <p:ext uri="{BB962C8B-B14F-4D97-AF65-F5344CB8AC3E}">
+        <p14:creationId xmlns:p14="http://schemas.microsoft.com/office/powerpoint/2010/main" val="2951134207"/>
+      </p:ext>
+    </p:extLst>
+  </p:cSld>
+  <p:clrMapOvr>
+    <a:masterClrMapping/>
+  </p:clrMapOvr>
+  <p:timing>
+    <p:tnLst>
+      <p:par>
+        <p:cTn id="1" dur="indefinite" restart="never" nodeType="tmRoot"/>
+      </p:par>
+    </p:tnLst>
+  </p:timing>
+</p:sld>
+</file>
+
 <file path=ppt/slides/slide5.xml><?xml version="1.0" encoding="utf-8"?>
 <p:sld xmlns:a="http://schemas.openxmlformats.org/drawingml/2006/main" xmlns:r="http://schemas.openxmlformats.org/officeDocument/2006/relationships" xmlns:p="http://schemas.openxmlformats.org/presentationml/2006/main">
   <p:cSld>
@@ -6256,39 +10246,15 @@
           <a:p>
             <a:r>
               <a:rPr lang="en-US" dirty="0" smtClean="0"/>
-              <a:t>Results &amp; Conclusions</a:t>
+              <a:t>Threats to Validity</a:t>
             </a:r>
             <a:endParaRPr lang="en-US" dirty="0"/>
           </a:p>
         </p:txBody>
       </p:sp>
-      <p:pic>
-        <p:nvPicPr>
-          <p:cNvPr id="5" name="Picture 4"/>
-          <p:cNvPicPr>
-            <a:picLocks noChangeAspect="1"/>
-          </p:cNvPicPr>
-          <p:nvPr/>
-        </p:nvPicPr>
-        <p:blipFill>
-          <a:blip r:embed="rId2"/>
-          <a:stretch>
-            <a:fillRect/>
-          </a:stretch>
-        </p:blipFill>
-        <p:spPr>
-          <a:xfrm>
-            <a:off x="4249253" y="1964716"/>
-            <a:ext cx="7942747" cy="4304729"/>
-          </a:xfrm>
-          <a:prstGeom prst="rect">
-            <a:avLst/>
-          </a:prstGeom>
-        </p:spPr>
-      </p:pic>
       <p:sp>
         <p:nvSpPr>
-          <p:cNvPr id="6" name="Content Placeholder 2"/>
+          <p:cNvPr id="3" name="Content Placeholder 2"/>
           <p:cNvSpPr>
             <a:spLocks noGrp="1"/>
           </p:cNvSpPr>
@@ -6296,47 +10262,37 @@
             <p:ph idx="1"/>
           </p:nvPr>
         </p:nvSpPr>
-        <p:spPr>
-          <a:xfrm>
-            <a:off x="39331" y="1964716"/>
-            <a:ext cx="4209922" cy="3473558"/>
-          </a:xfrm>
-        </p:spPr>
+        <p:spPr/>
         <p:txBody>
-          <a:bodyPr>
-            <a:normAutofit/>
-          </a:bodyPr>
+          <a:bodyPr/>
           <a:lstStyle/>
           <a:p>
             <a:r>
               <a:rPr lang="en-US" dirty="0" smtClean="0"/>
-              <a:t>The renaming of EOOT was effective</a:t>
+              <a:t>Inconsistent grading for labs (completion vs details)</a:t>
             </a:r>
           </a:p>
           <a:p>
             <a:r>
               <a:rPr lang="en-US" dirty="0" smtClean="0"/>
-              <a:t>The modifications to the labs was successful</a:t>
+              <a:t>Differences in grading by TAs in each semester</a:t>
             </a:r>
           </a:p>
           <a:p>
             <a:r>
               <a:rPr lang="en-US" dirty="0" smtClean="0"/>
-              <a:t>The inclusion of Process points was not successful</a:t>
-            </a:r>
-          </a:p>
-          <a:p>
-            <a:r>
-              <a:rPr lang="en-US" dirty="0" smtClean="0"/>
-              <a:t>As a whole, the interventions were helpful</a:t>
-            </a:r>
+              <a:t>Different Instructors</a:t>
+            </a:r>
+          </a:p>
+          <a:p>
+            <a:endParaRPr lang="en-US" dirty="0"/>
           </a:p>
         </p:txBody>
       </p:sp>
     </p:spTree>
     <p:extLst>
       <p:ext uri="{BB962C8B-B14F-4D97-AF65-F5344CB8AC3E}">
-        <p14:creationId xmlns:p14="http://schemas.microsoft.com/office/powerpoint/2010/main" val="2951134207"/>
+        <p14:creationId xmlns:p14="http://schemas.microsoft.com/office/powerpoint/2010/main" val="3531733546"/>
       </p:ext>
     </p:extLst>
   </p:cSld>
@@ -6387,7 +10343,47 @@
           <a:p>
             <a:r>
               <a:rPr lang="en-US" dirty="0" smtClean="0"/>
-              <a:t>Possible Explanations</a:t>
+              <a:t>Next Steps &amp; Other Work</a:t>
+            </a:r>
+            <a:endParaRPr lang="en-US" dirty="0"/>
+          </a:p>
+        </p:txBody>
+      </p:sp>
+      <p:sp>
+        <p:nvSpPr>
+          <p:cNvPr id="3" name="Content Placeholder 2"/>
+          <p:cNvSpPr>
+            <a:spLocks noGrp="1"/>
+          </p:cNvSpPr>
+          <p:nvPr>
+            <p:ph idx="1"/>
+          </p:nvPr>
+        </p:nvSpPr>
+        <p:spPr>
+          <a:xfrm>
+            <a:off x="810000" y="2438401"/>
+            <a:ext cx="10554574" cy="1800145"/>
+          </a:xfrm>
+        </p:spPr>
+        <p:txBody>
+          <a:bodyPr/>
+          <a:lstStyle/>
+          <a:p>
+            <a:r>
+              <a:rPr lang="en-US" dirty="0" smtClean="0"/>
+              <a:t>Examine Survey Responses</a:t>
+            </a:r>
+          </a:p>
+          <a:p>
+            <a:r>
+              <a:rPr lang="en-US" dirty="0" smtClean="0"/>
+              <a:t>Examine grades by soft drop</a:t>
+            </a:r>
+          </a:p>
+          <a:p>
+            <a:r>
+              <a:rPr lang="en-US" dirty="0" smtClean="0"/>
+              <a:t>Examine office hours</a:t>
             </a:r>
             <a:endParaRPr lang="en-US" dirty="0"/>
           </a:p>
@@ -6402,60 +10398,31 @@
           <p:nvPr/>
         </p:nvPicPr>
         <p:blipFill>
-          <a:blip r:embed="rId2"/>
+          <a:blip r:embed="rId2">
+            <a:extLst>
+              <a:ext uri="{28A0092B-C50C-407E-A947-70E740481C1C}">
+                <a14:useLocalDpi xmlns:a14="http://schemas.microsoft.com/office/drawing/2010/main" val="0"/>
+              </a:ext>
+            </a:extLst>
+          </a:blip>
           <a:stretch>
             <a:fillRect/>
           </a:stretch>
         </p:blipFill>
         <p:spPr>
           <a:xfrm>
-            <a:off x="4249253" y="1964716"/>
-            <a:ext cx="7942747" cy="4304729"/>
+            <a:off x="6410707" y="2706253"/>
+            <a:ext cx="5306165" cy="2553056"/>
           </a:xfrm>
           <a:prstGeom prst="rect">
             <a:avLst/>
           </a:prstGeom>
         </p:spPr>
       </p:pic>
-      <p:sp>
-        <p:nvSpPr>
-          <p:cNvPr id="6" name="Content Placeholder 2"/>
-          <p:cNvSpPr>
-            <a:spLocks noGrp="1"/>
-          </p:cNvSpPr>
-          <p:nvPr>
-            <p:ph idx="1"/>
-          </p:nvPr>
-        </p:nvSpPr>
-        <p:spPr>
-          <a:xfrm>
-            <a:off x="39331" y="1417638"/>
-            <a:ext cx="4209922" cy="3473558"/>
-          </a:xfrm>
-        </p:spPr>
-        <p:txBody>
-          <a:bodyPr>
-            <a:normAutofit/>
-          </a:bodyPr>
-          <a:lstStyle/>
-          <a:p>
-            <a:r>
-              <a:rPr lang="en-US" dirty="0" smtClean="0"/>
-              <a:t>Process Points may have been seen as unimportant by students</a:t>
-            </a:r>
-          </a:p>
-          <a:p>
-            <a:r>
-              <a:rPr lang="en-US" dirty="0" smtClean="0"/>
-              <a:t>The inheritance lab was responsible for improving exam 2 grades</a:t>
-            </a:r>
-          </a:p>
-        </p:txBody>
-      </p:sp>
     </p:spTree>
     <p:extLst>
       <p:ext uri="{BB962C8B-B14F-4D97-AF65-F5344CB8AC3E}">
-        <p14:creationId xmlns:p14="http://schemas.microsoft.com/office/powerpoint/2010/main" val="3531733546"/>
+        <p14:creationId xmlns:p14="http://schemas.microsoft.com/office/powerpoint/2010/main" val="136276593"/>
       </p:ext>
     </p:extLst>
   </p:cSld>
@@ -6504,11 +10471,7 @@
           <a:bodyPr/>
           <a:lstStyle/>
           <a:p>
-            <a:r>
-              <a:rPr lang="en-US" dirty="0" smtClean="0"/>
-              <a:t>Next Steps &amp; Other Work</a:t>
-            </a:r>
-            <a:endParaRPr lang="en-US" dirty="0"/>
+            <a:endParaRPr lang="en-US"/>
           </a:p>
         </p:txBody>
       </p:sp>
@@ -6522,70 +10485,143 @@
             <p:ph idx="1"/>
           </p:nvPr>
         </p:nvSpPr>
-        <p:spPr>
-          <a:xfrm>
-            <a:off x="810000" y="2438401"/>
-            <a:ext cx="10554574" cy="1800145"/>
-          </a:xfrm>
-        </p:spPr>
+        <p:spPr/>
         <p:txBody>
-          <a:bodyPr/>
+          <a:bodyPr>
+            <a:normAutofit fontScale="85000" lnSpcReduction="10000"/>
+          </a:bodyPr>
           <a:lstStyle/>
           <a:p>
-            <a:r>
-              <a:rPr lang="en-US" dirty="0" smtClean="0"/>
-              <a:t>Examine Survey Responses</a:t>
-            </a:r>
-          </a:p>
-          <a:p>
-            <a:r>
-              <a:rPr lang="en-US" dirty="0" smtClean="0"/>
-              <a:t>Examine grades by soft drop</a:t>
-            </a:r>
-          </a:p>
-          <a:p>
-            <a:r>
-              <a:rPr lang="en-US" dirty="0" smtClean="0"/>
-              <a:t>Examine office hours</a:t>
-            </a:r>
+            <a:pPr marL="0" indent="0">
+              <a:buNone/>
+            </a:pPr>
+            <a:r>
+              <a:rPr lang="en-US" dirty="0"/>
+              <a:t>integrated labs in 16</a:t>
+            </a:r>
+          </a:p>
+          <a:p>
+            <a:pPr marL="0" indent="0">
+              <a:buNone/>
+            </a:pPr>
+            <a:r>
+              <a:rPr lang="en-US" dirty="0"/>
+              <a:t>more labs in 16</a:t>
+            </a:r>
+          </a:p>
+          <a:p>
+            <a:pPr marL="0" indent="0">
+              <a:buNone/>
+            </a:pPr>
+            <a:r>
+              <a:rPr lang="en-US" dirty="0"/>
+              <a:t>labs were </a:t>
+            </a:r>
+            <a:r>
+              <a:rPr lang="en-US" dirty="0" err="1"/>
+              <a:t>seperate</a:t>
+            </a:r>
+            <a:r>
+              <a:rPr lang="en-US" dirty="0"/>
+              <a:t> from lectures</a:t>
+            </a:r>
+          </a:p>
+          <a:p>
+            <a:pPr marL="0" indent="0">
+              <a:buNone/>
+            </a:pPr>
             <a:endParaRPr lang="en-US" dirty="0"/>
+          </a:p>
+          <a:p>
+            <a:pPr marL="0" indent="0">
+              <a:buNone/>
+            </a:pPr>
+            <a:r>
+              <a:rPr lang="en-US" dirty="0"/>
+              <a:t>Add animations in general</a:t>
+            </a:r>
+          </a:p>
+          <a:p>
+            <a:pPr marL="0" indent="0">
+              <a:buNone/>
+            </a:pPr>
+            <a:r>
+              <a:rPr lang="en-US" dirty="0"/>
+              <a:t>Side by slide </a:t>
+            </a:r>
+            <a:r>
+              <a:rPr lang="en-US" dirty="0" err="1"/>
+              <a:t>slide</a:t>
+            </a:r>
+            <a:r>
+              <a:rPr lang="en-US" dirty="0"/>
+              <a:t> 2, remove </a:t>
+            </a:r>
+            <a:r>
+              <a:rPr lang="en-US" dirty="0" err="1"/>
+              <a:t>defs</a:t>
+            </a:r>
+            <a:r>
+              <a:rPr lang="en-US" dirty="0"/>
+              <a:t>, add data sources</a:t>
+            </a:r>
+          </a:p>
+          <a:p>
+            <a:pPr marL="0" indent="0">
+              <a:buNone/>
+            </a:pPr>
+            <a:r>
+              <a:rPr lang="en-US" dirty="0"/>
+              <a:t>Make slide three flow chat etc., add process (</a:t>
+            </a:r>
+            <a:r>
+              <a:rPr lang="en-US" dirty="0" err="1"/>
+              <a:t>eg</a:t>
+            </a:r>
+            <a:r>
+              <a:rPr lang="en-US" dirty="0"/>
+              <a:t> data wrangling)</a:t>
+            </a:r>
+          </a:p>
+          <a:p>
+            <a:pPr marL="0" indent="0">
+              <a:buNone/>
+            </a:pPr>
+            <a:r>
+              <a:rPr lang="en-US" dirty="0"/>
+              <a:t>Rename "new students" (no outside exp.?) &amp; in class labs, make table bigger move final average</a:t>
+            </a:r>
+          </a:p>
+          <a:p>
+            <a:pPr marL="0" indent="0">
+              <a:buNone/>
+            </a:pPr>
+            <a:r>
+              <a:rPr lang="en-US" dirty="0"/>
+              <a:t> explanation for + exam 2 (labs)</a:t>
+            </a:r>
+          </a:p>
+          <a:p>
+            <a:pPr marL="0" indent="0">
+              <a:buNone/>
+            </a:pPr>
+            <a:endParaRPr lang="en-US" dirty="0"/>
+          </a:p>
+          <a:p>
+            <a:pPr marL="0" indent="0">
+              <a:buNone/>
+            </a:pPr>
+            <a:r>
+              <a:rPr lang="en-US" dirty="0"/>
+              <a:t>elaborate on how to examine differences due to soft drops &amp; different prof.</a:t>
+            </a:r>
           </a:p>
         </p:txBody>
       </p:sp>
-      <p:pic>
-        <p:nvPicPr>
-          <p:cNvPr id="5" name="Picture 4"/>
-          <p:cNvPicPr>
-            <a:picLocks noChangeAspect="1"/>
-          </p:cNvPicPr>
-          <p:nvPr/>
-        </p:nvPicPr>
-        <p:blipFill>
-          <a:blip r:embed="rId2">
-            <a:extLst>
-              <a:ext uri="{28A0092B-C50C-407E-A947-70E740481C1C}">
-                <a14:useLocalDpi xmlns:a14="http://schemas.microsoft.com/office/drawing/2010/main" val="0"/>
-              </a:ext>
-            </a:extLst>
-          </a:blip>
-          <a:stretch>
-            <a:fillRect/>
-          </a:stretch>
-        </p:blipFill>
-        <p:spPr>
-          <a:xfrm>
-            <a:off x="6410707" y="2706253"/>
-            <a:ext cx="5306165" cy="2553056"/>
-          </a:xfrm>
-          <a:prstGeom prst="rect">
-            <a:avLst/>
-          </a:prstGeom>
-        </p:spPr>
-      </p:pic>
     </p:spTree>
     <p:extLst>
       <p:ext uri="{BB962C8B-B14F-4D97-AF65-F5344CB8AC3E}">
-        <p14:creationId xmlns:p14="http://schemas.microsoft.com/office/powerpoint/2010/main" val="136276593"/>
+        <p14:creationId xmlns:p14="http://schemas.microsoft.com/office/powerpoint/2010/main" val="3614764881"/>
       </p:ext>
     </p:extLst>
   </p:cSld>
